--- a/tests/test_data/test_presentation_file_0.pptx
+++ b/tests/test_data/test_presentation_file_0.pptx
@@ -5,16 +5,127 @@
     <p:sldMasterId id="2147483648" r:id="rId1"/>
   </p:sldMasterIdLst>
   <p:sldIdLst>
-    <p:sldId id="256" r:id="rId6"/>
-    <p:sldId id="257" r:id="rId7"/>
+    <p:sldId id="256" r:id="rId2"/>
+    <p:sldId id="257" r:id="rId3"/>
   </p:sldIdLst>
   <p:sldSz cx="7772400" cy="10058400"/>
   <p:notesSz cx="7772400" cy="10058400"/>
+  <p:defaultTextStyle>
+    <a:defPPr>
+      <a:defRPr lang="ru-RU"/>
+    </a:defPPr>
+    <a:lvl1pPr marL="0" algn="l" defTabSz="914400" rtl="0" eaLnBrk="1" latinLnBrk="0" hangingPunct="1">
+      <a:defRPr sz="1800" kern="1200">
+        <a:solidFill>
+          <a:schemeClr val="tx1"/>
+        </a:solidFill>
+        <a:latin typeface="+mn-lt"/>
+        <a:ea typeface="+mn-ea"/>
+        <a:cs typeface="+mn-cs"/>
+      </a:defRPr>
+    </a:lvl1pPr>
+    <a:lvl2pPr marL="457200" algn="l" defTabSz="914400" rtl="0" eaLnBrk="1" latinLnBrk="0" hangingPunct="1">
+      <a:defRPr sz="1800" kern="1200">
+        <a:solidFill>
+          <a:schemeClr val="tx1"/>
+        </a:solidFill>
+        <a:latin typeface="+mn-lt"/>
+        <a:ea typeface="+mn-ea"/>
+        <a:cs typeface="+mn-cs"/>
+      </a:defRPr>
+    </a:lvl2pPr>
+    <a:lvl3pPr marL="914400" algn="l" defTabSz="914400" rtl="0" eaLnBrk="1" latinLnBrk="0" hangingPunct="1">
+      <a:defRPr sz="1800" kern="1200">
+        <a:solidFill>
+          <a:schemeClr val="tx1"/>
+        </a:solidFill>
+        <a:latin typeface="+mn-lt"/>
+        <a:ea typeface="+mn-ea"/>
+        <a:cs typeface="+mn-cs"/>
+      </a:defRPr>
+    </a:lvl3pPr>
+    <a:lvl4pPr marL="1371600" algn="l" defTabSz="914400" rtl="0" eaLnBrk="1" latinLnBrk="0" hangingPunct="1">
+      <a:defRPr sz="1800" kern="1200">
+        <a:solidFill>
+          <a:schemeClr val="tx1"/>
+        </a:solidFill>
+        <a:latin typeface="+mn-lt"/>
+        <a:ea typeface="+mn-ea"/>
+        <a:cs typeface="+mn-cs"/>
+      </a:defRPr>
+    </a:lvl4pPr>
+    <a:lvl5pPr marL="1828800" algn="l" defTabSz="914400" rtl="0" eaLnBrk="1" latinLnBrk="0" hangingPunct="1">
+      <a:defRPr sz="1800" kern="1200">
+        <a:solidFill>
+          <a:schemeClr val="tx1"/>
+        </a:solidFill>
+        <a:latin typeface="+mn-lt"/>
+        <a:ea typeface="+mn-ea"/>
+        <a:cs typeface="+mn-cs"/>
+      </a:defRPr>
+    </a:lvl5pPr>
+    <a:lvl6pPr marL="2286000" algn="l" defTabSz="914400" rtl="0" eaLnBrk="1" latinLnBrk="0" hangingPunct="1">
+      <a:defRPr sz="1800" kern="1200">
+        <a:solidFill>
+          <a:schemeClr val="tx1"/>
+        </a:solidFill>
+        <a:latin typeface="+mn-lt"/>
+        <a:ea typeface="+mn-ea"/>
+        <a:cs typeface="+mn-cs"/>
+      </a:defRPr>
+    </a:lvl6pPr>
+    <a:lvl7pPr marL="2743200" algn="l" defTabSz="914400" rtl="0" eaLnBrk="1" latinLnBrk="0" hangingPunct="1">
+      <a:defRPr sz="1800" kern="1200">
+        <a:solidFill>
+          <a:schemeClr val="tx1"/>
+        </a:solidFill>
+        <a:latin typeface="+mn-lt"/>
+        <a:ea typeface="+mn-ea"/>
+        <a:cs typeface="+mn-cs"/>
+      </a:defRPr>
+    </a:lvl7pPr>
+    <a:lvl8pPr marL="3200400" algn="l" defTabSz="914400" rtl="0" eaLnBrk="1" latinLnBrk="0" hangingPunct="1">
+      <a:defRPr sz="1800" kern="1200">
+        <a:solidFill>
+          <a:schemeClr val="tx1"/>
+        </a:solidFill>
+        <a:latin typeface="+mn-lt"/>
+        <a:ea typeface="+mn-ea"/>
+        <a:cs typeface="+mn-cs"/>
+      </a:defRPr>
+    </a:lvl8pPr>
+    <a:lvl9pPr marL="3657600" algn="l" defTabSz="914400" rtl="0" eaLnBrk="1" latinLnBrk="0" hangingPunct="1">
+      <a:defRPr sz="1800" kern="1200">
+        <a:solidFill>
+          <a:schemeClr val="tx1"/>
+        </a:solidFill>
+        <a:latin typeface="+mn-lt"/>
+        <a:ea typeface="+mn-ea"/>
+        <a:cs typeface="+mn-cs"/>
+      </a:defRPr>
+    </a:lvl9pPr>
+  </p:defaultTextStyle>
+  <p:extLst>
+    <p:ext uri="{EFAFB233-063F-42B5-8137-9DF3F51BA10A}">
+      <p15:sldGuideLst xmlns:p15="http://schemas.microsoft.com/office/powerpoint/2012/main">
+        <p15:guide id="1" orient="horz" pos="2880">
+          <p15:clr>
+            <a:srgbClr val="A4A3A4"/>
+          </p15:clr>
+        </p15:guide>
+        <p15:guide id="2" pos="2160">
+          <p15:clr>
+            <a:srgbClr val="A4A3A4"/>
+          </p15:clr>
+        </p15:guide>
+      </p15:sldGuideLst>
+    </p:ext>
+  </p:extLst>
 </p:presentation>
 </file>
 
 <file path=ppt/slideLayouts/slideLayout1.xml><?xml version="1.0" encoding="utf-8"?>
-<p:sldLayout xmlns:a="http://schemas.openxmlformats.org/drawingml/2006/main" xmlns:r="http://schemas.openxmlformats.org/officeDocument/2006/relationships" xmlns:p="http://schemas.openxmlformats.org/presentationml/2006/main" preserve="1" type="obj">
+<p:sldLayout xmlns:a="http://schemas.openxmlformats.org/drawingml/2006/main" xmlns:r="http://schemas.openxmlformats.org/officeDocument/2006/relationships" xmlns:p="http://schemas.openxmlformats.org/presentationml/2006/main" type="obj" preserve="1">
   <p:cSld name="Title Slide">
     <p:spTree>
       <p:nvGrpSpPr>
@@ -58,7 +169,9 @@
               <a:defRPr/>
             </a:lvl1pPr>
           </a:lstStyle>
-          <a:p/>
+          <a:p>
+            <a:endParaRPr/>
+          </a:p>
         </p:txBody>
       </p:sp>
       <p:sp>
@@ -89,7 +202,9 @@
               <a:defRPr/>
             </a:lvl1pPr>
           </a:lstStyle>
-          <a:p/>
+          <a:p>
+            <a:endParaRPr/>
+          </a:p>
         </p:txBody>
       </p:sp>
       <p:sp>
@@ -99,7 +214,7 @@
             <a:spLocks noGrp="1"/>
           </p:cNvSpPr>
           <p:nvPr>
-            <p:ph type="ftr" idx="5" sz="quarter"/>
+            <p:ph type="ftr" sz="quarter" idx="5"/>
           </p:nvPr>
         </p:nvSpPr>
         <p:spPr/>
@@ -116,7 +231,9 @@
               </a:defRPr>
             </a:lvl1pPr>
           </a:lstStyle>
-          <a:p/>
+          <a:p>
+            <a:endParaRPr/>
+          </a:p>
         </p:txBody>
       </p:sp>
       <p:sp>
@@ -126,7 +243,7 @@
             <a:spLocks noGrp="1"/>
           </p:cNvSpPr>
           <p:nvPr>
-            <p:ph type="dt" idx="6" sz="half"/>
+            <p:ph type="dt" sz="half" idx="6"/>
           </p:nvPr>
         </p:nvSpPr>
         <p:spPr/>
@@ -146,7 +263,9 @@
           <a:p>
             <a:fld id="{1D8BD707-D9CF-40AE-B4C6-C98DA3205C09}" type="datetimeFigureOut">
               <a:rPr lang="en-US"/>
+              <a:t>8/7/2021</a:t>
             </a:fld>
+            <a:endParaRPr lang="en-US"/>
           </a:p>
         </p:txBody>
       </p:sp>
@@ -157,7 +276,7 @@
             <a:spLocks noGrp="1"/>
           </p:cNvSpPr>
           <p:nvPr>
-            <p:ph type="sldNum" idx="7" sz="quarter"/>
+            <p:ph type="sldNum" sz="quarter" idx="7"/>
           </p:nvPr>
         </p:nvSpPr>
         <p:spPr/>
@@ -176,8 +295,9 @@
           </a:lstStyle>
           <a:p>
             <a:fld id="{B6F15528-21DE-4FAA-801E-634DDDAF4B2B}" type="slidenum">
-              <a:t>#</a:t>
+              <a:t>‹#›</a:t>
             </a:fld>
+            <a:endParaRPr/>
           </a:p>
         </p:txBody>
       </p:sp>
@@ -190,7 +310,7 @@
 </file>
 
 <file path=ppt/slideLayouts/slideLayout2.xml><?xml version="1.0" encoding="utf-8"?>
-<p:sldLayout xmlns:a="http://schemas.openxmlformats.org/drawingml/2006/main" xmlns:r="http://schemas.openxmlformats.org/officeDocument/2006/relationships" xmlns:p="http://schemas.openxmlformats.org/presentationml/2006/main" preserve="1" type="obj">
+<p:sldLayout xmlns:a="http://schemas.openxmlformats.org/drawingml/2006/main" xmlns:r="http://schemas.openxmlformats.org/officeDocument/2006/relationships" xmlns:p="http://schemas.openxmlformats.org/presentationml/2006/main" type="obj" preserve="1">
   <p:cSld name="Title and Content">
     <p:spTree>
       <p:nvGrpSpPr>
@@ -230,7 +350,9 @@
               </a:defRPr>
             </a:lvl1pPr>
           </a:lstStyle>
-          <a:p/>
+          <a:p>
+            <a:endParaRPr/>
+          </a:p>
         </p:txBody>
       </p:sp>
       <p:sp>
@@ -251,7 +373,9 @@
               <a:defRPr/>
             </a:lvl1pPr>
           </a:lstStyle>
-          <a:p/>
+          <a:p>
+            <a:endParaRPr/>
+          </a:p>
         </p:txBody>
       </p:sp>
       <p:sp>
@@ -261,7 +385,7 @@
             <a:spLocks noGrp="1"/>
           </p:cNvSpPr>
           <p:nvPr>
-            <p:ph type="ftr" idx="5" sz="quarter"/>
+            <p:ph type="ftr" sz="quarter" idx="5"/>
           </p:nvPr>
         </p:nvSpPr>
         <p:spPr/>
@@ -278,7 +402,9 @@
               </a:defRPr>
             </a:lvl1pPr>
           </a:lstStyle>
-          <a:p/>
+          <a:p>
+            <a:endParaRPr/>
+          </a:p>
         </p:txBody>
       </p:sp>
       <p:sp>
@@ -288,7 +414,7 @@
             <a:spLocks noGrp="1"/>
           </p:cNvSpPr>
           <p:nvPr>
-            <p:ph type="dt" idx="6" sz="half"/>
+            <p:ph type="dt" sz="half" idx="6"/>
           </p:nvPr>
         </p:nvSpPr>
         <p:spPr/>
@@ -308,7 +434,9 @@
           <a:p>
             <a:fld id="{1D8BD707-D9CF-40AE-B4C6-C98DA3205C09}" type="datetimeFigureOut">
               <a:rPr lang="en-US"/>
+              <a:t>8/7/2021</a:t>
             </a:fld>
+            <a:endParaRPr lang="en-US"/>
           </a:p>
         </p:txBody>
       </p:sp>
@@ -319,7 +447,7 @@
             <a:spLocks noGrp="1"/>
           </p:cNvSpPr>
           <p:nvPr>
-            <p:ph type="sldNum" idx="7" sz="quarter"/>
+            <p:ph type="sldNum" sz="quarter" idx="7"/>
           </p:nvPr>
         </p:nvSpPr>
         <p:spPr/>
@@ -338,8 +466,9 @@
           </a:lstStyle>
           <a:p>
             <a:fld id="{B6F15528-21DE-4FAA-801E-634DDDAF4B2B}" type="slidenum">
-              <a:t>#</a:t>
+              <a:t>‹#›</a:t>
             </a:fld>
+            <a:endParaRPr/>
           </a:p>
         </p:txBody>
       </p:sp>
@@ -352,7 +481,7 @@
 </file>
 
 <file path=ppt/slideLayouts/slideLayout3.xml><?xml version="1.0" encoding="utf-8"?>
-<p:sldLayout xmlns:a="http://schemas.openxmlformats.org/drawingml/2006/main" xmlns:r="http://schemas.openxmlformats.org/officeDocument/2006/relationships" xmlns:p="http://schemas.openxmlformats.org/presentationml/2006/main" preserve="1" type="obj">
+<p:sldLayout xmlns:a="http://schemas.openxmlformats.org/drawingml/2006/main" xmlns:r="http://schemas.openxmlformats.org/officeDocument/2006/relationships" xmlns:p="http://schemas.openxmlformats.org/presentationml/2006/main" type="obj" preserve="1">
   <p:cSld name="Two Content">
     <p:spTree>
       <p:nvGrpSpPr>
@@ -392,7 +521,9 @@
               </a:defRPr>
             </a:lvl1pPr>
           </a:lstStyle>
-          <a:p/>
+          <a:p>
+            <a:endParaRPr/>
+          </a:p>
         </p:txBody>
       </p:sp>
       <p:sp>
@@ -402,7 +533,7 @@
             <a:spLocks noGrp="1"/>
           </p:cNvSpPr>
           <p:nvPr>
-            <p:ph idx="2" sz="half"/>
+            <p:ph sz="half" idx="2"/>
           </p:nvPr>
         </p:nvSpPr>
         <p:spPr>
@@ -423,7 +554,9 @@
               <a:defRPr/>
             </a:lvl1pPr>
           </a:lstStyle>
-          <a:p/>
+          <a:p>
+            <a:endParaRPr/>
+          </a:p>
         </p:txBody>
       </p:sp>
       <p:sp>
@@ -433,7 +566,7 @@
             <a:spLocks noGrp="1"/>
           </p:cNvSpPr>
           <p:nvPr>
-            <p:ph idx="3" sz="half"/>
+            <p:ph sz="half" idx="3"/>
           </p:nvPr>
         </p:nvSpPr>
         <p:spPr>
@@ -454,7 +587,9 @@
               <a:defRPr/>
             </a:lvl1pPr>
           </a:lstStyle>
-          <a:p/>
+          <a:p>
+            <a:endParaRPr/>
+          </a:p>
         </p:txBody>
       </p:sp>
       <p:sp>
@@ -464,7 +599,7 @@
             <a:spLocks noGrp="1"/>
           </p:cNvSpPr>
           <p:nvPr>
-            <p:ph type="ftr" idx="5" sz="quarter"/>
+            <p:ph type="ftr" sz="quarter" idx="5"/>
           </p:nvPr>
         </p:nvSpPr>
         <p:spPr/>
@@ -481,7 +616,9 @@
               </a:defRPr>
             </a:lvl1pPr>
           </a:lstStyle>
-          <a:p/>
+          <a:p>
+            <a:endParaRPr/>
+          </a:p>
         </p:txBody>
       </p:sp>
       <p:sp>
@@ -491,7 +628,7 @@
             <a:spLocks noGrp="1"/>
           </p:cNvSpPr>
           <p:nvPr>
-            <p:ph type="dt" idx="6" sz="half"/>
+            <p:ph type="dt" sz="half" idx="6"/>
           </p:nvPr>
         </p:nvSpPr>
         <p:spPr/>
@@ -511,7 +648,9 @@
           <a:p>
             <a:fld id="{1D8BD707-D9CF-40AE-B4C6-C98DA3205C09}" type="datetimeFigureOut">
               <a:rPr lang="en-US"/>
+              <a:t>8/7/2021</a:t>
             </a:fld>
+            <a:endParaRPr lang="en-US"/>
           </a:p>
         </p:txBody>
       </p:sp>
@@ -522,7 +661,7 @@
             <a:spLocks noGrp="1"/>
           </p:cNvSpPr>
           <p:nvPr>
-            <p:ph type="sldNum" idx="7" sz="quarter"/>
+            <p:ph type="sldNum" sz="quarter" idx="7"/>
           </p:nvPr>
         </p:nvSpPr>
         <p:spPr/>
@@ -541,8 +680,9 @@
           </a:lstStyle>
           <a:p>
             <a:fld id="{B6F15528-21DE-4FAA-801E-634DDDAF4B2B}" type="slidenum">
-              <a:t>#</a:t>
+              <a:t>‹#›</a:t>
             </a:fld>
+            <a:endParaRPr/>
           </a:p>
         </p:txBody>
       </p:sp>
@@ -555,7 +695,7 @@
 </file>
 
 <file path=ppt/slideLayouts/slideLayout4.xml><?xml version="1.0" encoding="utf-8"?>
-<p:sldLayout xmlns:a="http://schemas.openxmlformats.org/drawingml/2006/main" xmlns:r="http://schemas.openxmlformats.org/officeDocument/2006/relationships" xmlns:p="http://schemas.openxmlformats.org/presentationml/2006/main" preserve="1" type="obj">
+<p:sldLayout xmlns:a="http://schemas.openxmlformats.org/drawingml/2006/main" xmlns:r="http://schemas.openxmlformats.org/officeDocument/2006/relationships" xmlns:p="http://schemas.openxmlformats.org/presentationml/2006/main" type="obj" preserve="1">
   <p:cSld name="Title Only">
     <p:spTree>
       <p:nvGrpSpPr>
@@ -595,7 +735,9 @@
               </a:defRPr>
             </a:lvl1pPr>
           </a:lstStyle>
-          <a:p/>
+          <a:p>
+            <a:endParaRPr/>
+          </a:p>
         </p:txBody>
       </p:sp>
       <p:sp>
@@ -605,7 +747,7 @@
             <a:spLocks noGrp="1"/>
           </p:cNvSpPr>
           <p:nvPr>
-            <p:ph type="ftr" idx="5" sz="quarter"/>
+            <p:ph type="ftr" sz="quarter" idx="5"/>
           </p:nvPr>
         </p:nvSpPr>
         <p:spPr/>
@@ -622,7 +764,9 @@
               </a:defRPr>
             </a:lvl1pPr>
           </a:lstStyle>
-          <a:p/>
+          <a:p>
+            <a:endParaRPr/>
+          </a:p>
         </p:txBody>
       </p:sp>
       <p:sp>
@@ -632,7 +776,7 @@
             <a:spLocks noGrp="1"/>
           </p:cNvSpPr>
           <p:nvPr>
-            <p:ph type="dt" idx="6" sz="half"/>
+            <p:ph type="dt" sz="half" idx="6"/>
           </p:nvPr>
         </p:nvSpPr>
         <p:spPr/>
@@ -652,7 +796,9 @@
           <a:p>
             <a:fld id="{1D8BD707-D9CF-40AE-B4C6-C98DA3205C09}" type="datetimeFigureOut">
               <a:rPr lang="en-US"/>
+              <a:t>8/7/2021</a:t>
             </a:fld>
+            <a:endParaRPr lang="en-US"/>
           </a:p>
         </p:txBody>
       </p:sp>
@@ -663,7 +809,7 @@
             <a:spLocks noGrp="1"/>
           </p:cNvSpPr>
           <p:nvPr>
-            <p:ph type="sldNum" idx="7" sz="quarter"/>
+            <p:ph type="sldNum" sz="quarter" idx="7"/>
           </p:nvPr>
         </p:nvSpPr>
         <p:spPr/>
@@ -682,8 +828,9 @@
           </a:lstStyle>
           <a:p>
             <a:fld id="{B6F15528-21DE-4FAA-801E-634DDDAF4B2B}" type="slidenum">
-              <a:t>#</a:t>
+              <a:t>‹#›</a:t>
             </a:fld>
+            <a:endParaRPr/>
           </a:p>
         </p:txBody>
       </p:sp>
@@ -696,7 +843,7 @@
 </file>
 
 <file path=ppt/slideLayouts/slideLayout5.xml><?xml version="1.0" encoding="utf-8"?>
-<p:sldLayout xmlns:a="http://schemas.openxmlformats.org/drawingml/2006/main" xmlns:r="http://schemas.openxmlformats.org/officeDocument/2006/relationships" xmlns:p="http://schemas.openxmlformats.org/presentationml/2006/main" preserve="1" type="obj">
+<p:sldLayout xmlns:a="http://schemas.openxmlformats.org/drawingml/2006/main" xmlns:r="http://schemas.openxmlformats.org/officeDocument/2006/relationships" xmlns:p="http://schemas.openxmlformats.org/presentationml/2006/main" type="obj" preserve="1">
   <p:cSld name="Blank">
     <p:spTree>
       <p:nvGrpSpPr>
@@ -719,7 +866,7 @@
             <a:spLocks noGrp="1"/>
           </p:cNvSpPr>
           <p:nvPr>
-            <p:ph type="ftr" idx="5" sz="quarter"/>
+            <p:ph type="ftr" sz="quarter" idx="5"/>
           </p:nvPr>
         </p:nvSpPr>
         <p:spPr/>
@@ -736,7 +883,9 @@
               </a:defRPr>
             </a:lvl1pPr>
           </a:lstStyle>
-          <a:p/>
+          <a:p>
+            <a:endParaRPr/>
+          </a:p>
         </p:txBody>
       </p:sp>
       <p:sp>
@@ -746,7 +895,7 @@
             <a:spLocks noGrp="1"/>
           </p:cNvSpPr>
           <p:nvPr>
-            <p:ph type="dt" idx="6" sz="half"/>
+            <p:ph type="dt" sz="half" idx="6"/>
           </p:nvPr>
         </p:nvSpPr>
         <p:spPr/>
@@ -766,7 +915,9 @@
           <a:p>
             <a:fld id="{1D8BD707-D9CF-40AE-B4C6-C98DA3205C09}" type="datetimeFigureOut">
               <a:rPr lang="en-US"/>
+              <a:t>8/7/2021</a:t>
             </a:fld>
+            <a:endParaRPr lang="en-US"/>
           </a:p>
         </p:txBody>
       </p:sp>
@@ -777,7 +928,7 @@
             <a:spLocks noGrp="1"/>
           </p:cNvSpPr>
           <p:nvPr>
-            <p:ph type="sldNum" idx="7" sz="quarter"/>
+            <p:ph type="sldNum" sz="quarter" idx="7"/>
           </p:nvPr>
         </p:nvSpPr>
         <p:spPr/>
@@ -796,8 +947,9 @@
           </a:lstStyle>
           <a:p>
             <a:fld id="{B6F15528-21DE-4FAA-801E-634DDDAF4B2B}" type="slidenum">
-              <a:t>#</a:t>
+              <a:t>‹#›</a:t>
             </a:fld>
+            <a:endParaRPr/>
           </a:p>
         </p:txBody>
       </p:sp>
@@ -868,7 +1020,9 @@
               </a:defRPr>
             </a:lvl1pPr>
           </a:lstStyle>
-          <a:p/>
+          <a:p>
+            <a:endParaRPr/>
+          </a:p>
         </p:txBody>
       </p:sp>
       <p:sp>
@@ -899,7 +1053,9 @@
               <a:defRPr/>
             </a:lvl1pPr>
           </a:lstStyle>
-          <a:p/>
+          <a:p>
+            <a:endParaRPr/>
+          </a:p>
         </p:txBody>
       </p:sp>
       <p:sp>
@@ -909,7 +1065,7 @@
             <a:spLocks noGrp="1"/>
           </p:cNvSpPr>
           <p:nvPr>
-            <p:ph type="ftr" idx="5" sz="quarter"/>
+            <p:ph type="ftr" sz="quarter" idx="5"/>
           </p:nvPr>
         </p:nvSpPr>
         <p:spPr>
@@ -936,7 +1092,9 @@
               </a:defRPr>
             </a:lvl1pPr>
           </a:lstStyle>
-          <a:p/>
+          <a:p>
+            <a:endParaRPr/>
+          </a:p>
         </p:txBody>
       </p:sp>
       <p:sp>
@@ -946,7 +1104,7 @@
             <a:spLocks noGrp="1"/>
           </p:cNvSpPr>
           <p:nvPr>
-            <p:ph type="dt" idx="6" sz="half"/>
+            <p:ph type="dt" sz="half" idx="6"/>
           </p:nvPr>
         </p:nvSpPr>
         <p:spPr>
@@ -976,7 +1134,9 @@
           <a:p>
             <a:fld id="{1D8BD707-D9CF-40AE-B4C6-C98DA3205C09}" type="datetimeFigureOut">
               <a:rPr lang="en-US"/>
+              <a:t>8/7/2021</a:t>
             </a:fld>
+            <a:endParaRPr lang="en-US"/>
           </a:p>
         </p:txBody>
       </p:sp>
@@ -987,7 +1147,7 @@
             <a:spLocks noGrp="1"/>
           </p:cNvSpPr>
           <p:nvPr>
-            <p:ph type="sldNum" idx="7" sz="quarter"/>
+            <p:ph type="sldNum" sz="quarter" idx="7"/>
           </p:nvPr>
         </p:nvSpPr>
         <p:spPr>
@@ -1016,14 +1176,15 @@
           </a:lstStyle>
           <a:p>
             <a:fld id="{B6F15528-21DE-4FAA-801E-634DDDAF4B2B}" type="slidenum">
-              <a:t>#</a:t>
+              <a:t>‹#›</a:t>
             </a:fld>
+            <a:endParaRPr/>
           </a:p>
         </p:txBody>
       </p:sp>
     </p:spTree>
   </p:cSld>
-  <p:clrMap folHlink="folHlink" hlink="hlink" accent1="accent1" accent2="accent2" accent3="accent3" accent4="accent4" accent5="accent5" accent6="accent6" tx2="dk2" bg2="lt2" tx1="dk1" bg1="lt1"/>
+  <p:clrMap bg1="lt1" tx1="dk1" bg2="lt2" tx2="dk2" accent1="accent1" accent2="accent2" accent3="accent3" accent4="accent4" accent5="accent5" accent6="accent6" hlink="hlink" folHlink="folHlink"/>
   <p:sldLayoutIdLst>
     <p:sldLayoutId id="2147483661" r:id="rId1"/>
     <p:sldLayoutId id="2147483662" r:id="rId2"/>
@@ -1207,10 +1368,12 @@
             <a:off x="811231" y="529843"/>
             <a:ext cx="2826385" cy="436880"/>
           </a:xfrm>
-          <a:prstGeom prst="rect"/>
+          <a:prstGeom prst="rect">
+            <a:avLst/>
+          </a:prstGeom>
         </p:spPr>
         <p:txBody>
-          <a:bodyPr wrap="square" lIns="0" tIns="12700" rIns="0" bIns="0" rtlCol="0" vert="horz">
+          <a:bodyPr vert="horz" wrap="square" lIns="0" tIns="12700" rIns="0" bIns="0" rtlCol="0">
             <a:spAutoFit/>
           </a:bodyPr>
           <a:lstStyle/>
@@ -1228,7 +1391,7 @@
               <a:t>A</a:t>
             </a:r>
             <a:r>
-              <a:rPr dirty="0" spc="-35"/>
+              <a:rPr spc="-35" dirty="0"/>
               <a:t> </a:t>
             </a:r>
             <a:r>
@@ -1236,7 +1399,7 @@
               <a:t>Simple</a:t>
             </a:r>
             <a:r>
-              <a:rPr dirty="0" spc="-30"/>
+              <a:rPr spc="-30" dirty="0"/>
               <a:t> </a:t>
             </a:r>
             <a:r>
@@ -1244,7 +1407,7 @@
               <a:t>PDF</a:t>
             </a:r>
             <a:r>
-              <a:rPr dirty="0" spc="-35"/>
+              <a:rPr spc="-35" dirty="0"/>
               <a:t> </a:t>
             </a:r>
             <a:r>
@@ -1270,7 +1433,7 @@
           </a:prstGeom>
         </p:spPr>
         <p:txBody>
-          <a:bodyPr wrap="square" lIns="0" tIns="12700" rIns="0" bIns="0" rtlCol="0" vert="horz">
+          <a:bodyPr vert="horz" wrap="square" lIns="0" tIns="12700" rIns="0" bIns="0" rtlCol="0">
             <a:spAutoFit/>
           </a:bodyPr>
           <a:lstStyle/>
@@ -1284,114 +1447,110 @@
               </a:spcBef>
             </a:pPr>
             <a:r>
-              <a:rPr dirty="0" sz="1000">
+              <a:rPr sz="1000" dirty="0">
                 <a:latin typeface="Arial MT"/>
                 <a:cs typeface="Arial MT"/>
               </a:rPr>
               <a:t>This</a:t>
             </a:r>
             <a:r>
-              <a:rPr dirty="0" sz="1000" spc="-15">
-                <a:latin typeface="Arial MT"/>
-                <a:cs typeface="Arial MT"/>
-              </a:rPr>
-              <a:t> </a:t>
-            </a:r>
-            <a:r>
-              <a:rPr dirty="0" sz="1000">
+              <a:rPr sz="1000" spc="-15" dirty="0">
+                <a:latin typeface="Arial MT"/>
+                <a:cs typeface="Arial MT"/>
+              </a:rPr>
+              <a:t> </a:t>
+            </a:r>
+            <a:r>
+              <a:rPr sz="1000" dirty="0">
                 <a:latin typeface="Arial MT"/>
                 <a:cs typeface="Arial MT"/>
               </a:rPr>
               <a:t>is</a:t>
             </a:r>
             <a:r>
-              <a:rPr dirty="0" sz="1000" spc="-10">
-                <a:latin typeface="Arial MT"/>
-                <a:cs typeface="Arial MT"/>
-              </a:rPr>
-              <a:t> </a:t>
-            </a:r>
-            <a:r>
-              <a:rPr dirty="0" sz="1000">
+              <a:rPr sz="1000" spc="-10" dirty="0">
+                <a:latin typeface="Arial MT"/>
+                <a:cs typeface="Arial MT"/>
+              </a:rPr>
+              <a:t> </a:t>
+            </a:r>
+            <a:r>
+              <a:rPr sz="1000" dirty="0">
                 <a:latin typeface="Arial MT"/>
                 <a:cs typeface="Arial MT"/>
               </a:rPr>
               <a:t>a</a:t>
             </a:r>
             <a:r>
-              <a:rPr dirty="0" sz="1000" spc="-15">
-                <a:latin typeface="Arial MT"/>
-                <a:cs typeface="Arial MT"/>
-              </a:rPr>
-              <a:t> </a:t>
-            </a:r>
-            <a:r>
-              <a:rPr dirty="0" sz="1000">
+              <a:rPr sz="1000" spc="-15" dirty="0">
+                <a:latin typeface="Arial MT"/>
+                <a:cs typeface="Arial MT"/>
+              </a:rPr>
+              <a:t> </a:t>
+            </a:r>
+            <a:r>
+              <a:rPr sz="1000" dirty="0">
                 <a:latin typeface="Arial MT"/>
                 <a:cs typeface="Arial MT"/>
               </a:rPr>
               <a:t>small</a:t>
             </a:r>
             <a:r>
-              <a:rPr dirty="0" sz="1000" spc="-10">
-                <a:latin typeface="Arial MT"/>
-                <a:cs typeface="Arial MT"/>
-              </a:rPr>
-              <a:t> </a:t>
-            </a:r>
-            <a:r>
-              <a:rPr dirty="0" sz="1000">
+              <a:rPr sz="1000" spc="-10" dirty="0">
+                <a:latin typeface="Arial MT"/>
+                <a:cs typeface="Arial MT"/>
+              </a:rPr>
+              <a:t> </a:t>
+            </a:r>
+            <a:r>
+              <a:rPr sz="1000" dirty="0">
                 <a:latin typeface="Arial MT"/>
                 <a:cs typeface="Arial MT"/>
               </a:rPr>
               <a:t>demonstration</a:t>
             </a:r>
             <a:r>
-              <a:rPr dirty="0" sz="1000" spc="-15">
-                <a:latin typeface="Arial MT"/>
-                <a:cs typeface="Arial MT"/>
-              </a:rPr>
-              <a:t> </a:t>
-            </a:r>
-            <a:r>
-              <a:rPr dirty="0" sz="1000">
+              <a:rPr sz="1000" spc="-15" dirty="0">
+                <a:latin typeface="Arial MT"/>
+                <a:cs typeface="Arial MT"/>
+              </a:rPr>
+              <a:t> </a:t>
+            </a:r>
+            <a:r>
+              <a:rPr sz="1000" dirty="0">
                 <a:latin typeface="Arial MT"/>
                 <a:cs typeface="Arial MT"/>
               </a:rPr>
               <a:t>.pdf</a:t>
             </a:r>
             <a:r>
-              <a:rPr dirty="0" sz="1000" spc="-10">
-                <a:latin typeface="Arial MT"/>
-                <a:cs typeface="Arial MT"/>
-              </a:rPr>
-              <a:t> </a:t>
-            </a:r>
-            <a:r>
-              <a:rPr dirty="0" sz="1000">
+              <a:rPr sz="1000" spc="-10" dirty="0">
+                <a:latin typeface="Arial MT"/>
+                <a:cs typeface="Arial MT"/>
+              </a:rPr>
+              <a:t> </a:t>
+            </a:r>
+            <a:r>
+              <a:rPr sz="1000" dirty="0">
                 <a:latin typeface="Arial MT"/>
                 <a:cs typeface="Arial MT"/>
               </a:rPr>
               <a:t>file</a:t>
             </a:r>
             <a:r>
-              <a:rPr dirty="0" sz="1000" spc="-15">
-                <a:latin typeface="Arial MT"/>
-                <a:cs typeface="Arial MT"/>
-              </a:rPr>
-              <a:t> </a:t>
-            </a:r>
-            <a:r>
-              <a:rPr dirty="0" sz="1000">
+              <a:rPr sz="1000" spc="-15" dirty="0">
+                <a:latin typeface="Arial MT"/>
+                <a:cs typeface="Arial MT"/>
+              </a:rPr>
+              <a:t> </a:t>
+            </a:r>
+            <a:r>
+              <a:rPr sz="1000" dirty="0">
                 <a:latin typeface="Arial MT"/>
                 <a:cs typeface="Arial MT"/>
               </a:rPr>
               <a:t>-</a:t>
             </a:r>
-            <a:endParaRPr sz="1000">
-              <a:latin typeface="Arial MT"/>
-              <a:cs typeface="Arial MT"/>
-            </a:endParaRPr>
           </a:p>
           <a:p>
             <a:pPr>
@@ -1402,7 +1561,7 @@
                 <a:spcPts val="40"/>
               </a:spcBef>
             </a:pPr>
-            <a:endParaRPr sz="1000">
+            <a:endParaRPr sz="1000" dirty="0">
               <a:latin typeface="Arial MT"/>
               <a:cs typeface="Arial MT"/>
             </a:endParaRPr>
@@ -1414,268 +1573,264 @@
               </a:lnSpc>
             </a:pPr>
             <a:r>
-              <a:rPr dirty="0" sz="1000">
+              <a:rPr sz="1000" dirty="0">
                 <a:latin typeface="Arial MT"/>
                 <a:cs typeface="Arial MT"/>
               </a:rPr>
               <a:t>just</a:t>
             </a:r>
             <a:r>
-              <a:rPr dirty="0" sz="1000" spc="-10">
-                <a:latin typeface="Arial MT"/>
-                <a:cs typeface="Arial MT"/>
-              </a:rPr>
-              <a:t> </a:t>
-            </a:r>
-            <a:r>
-              <a:rPr dirty="0" sz="1000">
+              <a:rPr sz="1000" spc="-10" dirty="0">
+                <a:latin typeface="Arial MT"/>
+                <a:cs typeface="Arial MT"/>
+              </a:rPr>
+              <a:t> </a:t>
+            </a:r>
+            <a:r>
+              <a:rPr sz="1000" dirty="0">
                 <a:latin typeface="Arial MT"/>
                 <a:cs typeface="Arial MT"/>
               </a:rPr>
               <a:t>for</a:t>
             </a:r>
             <a:r>
-              <a:rPr dirty="0" sz="1000" spc="-10">
-                <a:latin typeface="Arial MT"/>
-                <a:cs typeface="Arial MT"/>
-              </a:rPr>
-              <a:t> </a:t>
-            </a:r>
-            <a:r>
-              <a:rPr dirty="0" sz="1000">
+              <a:rPr sz="1000" spc="-10" dirty="0">
+                <a:latin typeface="Arial MT"/>
+                <a:cs typeface="Arial MT"/>
+              </a:rPr>
+              <a:t> </a:t>
+            </a:r>
+            <a:r>
+              <a:rPr sz="1000" dirty="0">
                 <a:latin typeface="Arial MT"/>
                 <a:cs typeface="Arial MT"/>
               </a:rPr>
               <a:t>use</a:t>
             </a:r>
             <a:r>
-              <a:rPr dirty="0" sz="1000" spc="-10">
-                <a:latin typeface="Arial MT"/>
-                <a:cs typeface="Arial MT"/>
-              </a:rPr>
-              <a:t> </a:t>
-            </a:r>
-            <a:r>
-              <a:rPr dirty="0" sz="1000">
+              <a:rPr sz="1000" spc="-10" dirty="0">
+                <a:latin typeface="Arial MT"/>
+                <a:cs typeface="Arial MT"/>
+              </a:rPr>
+              <a:t> </a:t>
+            </a:r>
+            <a:r>
+              <a:rPr sz="1000" dirty="0">
                 <a:latin typeface="Arial MT"/>
                 <a:cs typeface="Arial MT"/>
               </a:rPr>
               <a:t>in</a:t>
             </a:r>
             <a:r>
-              <a:rPr dirty="0" sz="1000" spc="-10">
-                <a:latin typeface="Arial MT"/>
-                <a:cs typeface="Arial MT"/>
-              </a:rPr>
-              <a:t> </a:t>
-            </a:r>
-            <a:r>
-              <a:rPr dirty="0" sz="1000">
+              <a:rPr sz="1000" spc="-10" dirty="0">
+                <a:latin typeface="Arial MT"/>
+                <a:cs typeface="Arial MT"/>
+              </a:rPr>
+              <a:t> </a:t>
+            </a:r>
+            <a:r>
+              <a:rPr sz="1000">
                 <a:latin typeface="Arial MT"/>
                 <a:cs typeface="Arial MT"/>
               </a:rPr>
               <a:t>the</a:t>
             </a:r>
             <a:r>
-              <a:rPr dirty="0" sz="1000" spc="-10">
-                <a:latin typeface="Arial MT"/>
-                <a:cs typeface="Arial MT"/>
-              </a:rPr>
-              <a:t> </a:t>
-            </a:r>
-            <a:r>
-              <a:rPr dirty="0" sz="1000">
+              <a:rPr sz="1000" spc="-10">
+                <a:latin typeface="Arial MT"/>
+                <a:cs typeface="Arial MT"/>
+              </a:rPr>
+              <a:t> </a:t>
+            </a:r>
+            <a:r>
+              <a:rPr sz="1000" smtClean="0">
                 <a:latin typeface="Arial MT"/>
                 <a:cs typeface="Arial MT"/>
               </a:rPr>
               <a:t>Virtual</a:t>
             </a:r>
             <a:r>
-              <a:rPr dirty="0" sz="1000" spc="-5">
-                <a:latin typeface="Arial MT"/>
-                <a:cs typeface="Arial MT"/>
-              </a:rPr>
-              <a:t> </a:t>
-            </a:r>
-            <a:r>
-              <a:rPr dirty="0" sz="1000">
+              <a:rPr sz="1000" spc="-5" smtClean="0">
+                <a:latin typeface="Arial MT"/>
+                <a:cs typeface="Arial MT"/>
+              </a:rPr>
+              <a:t> </a:t>
+            </a:r>
+            <a:r>
+              <a:rPr sz="1000" dirty="0">
                 <a:latin typeface="Arial MT"/>
                 <a:cs typeface="Arial MT"/>
               </a:rPr>
               <a:t>Mechanics</a:t>
             </a:r>
             <a:r>
-              <a:rPr dirty="0" sz="1000" spc="-10">
-                <a:latin typeface="Arial MT"/>
-                <a:cs typeface="Arial MT"/>
-              </a:rPr>
-              <a:t> </a:t>
-            </a:r>
-            <a:r>
-              <a:rPr dirty="0" sz="1000">
+              <a:rPr sz="1000" spc="-10" dirty="0">
+                <a:latin typeface="Arial MT"/>
+                <a:cs typeface="Arial MT"/>
+              </a:rPr>
+              <a:t> </a:t>
+            </a:r>
+            <a:r>
+              <a:rPr sz="1000" dirty="0">
                 <a:latin typeface="Arial MT"/>
                 <a:cs typeface="Arial MT"/>
               </a:rPr>
               <a:t>tutorials.</a:t>
             </a:r>
             <a:r>
-              <a:rPr dirty="0" sz="1000" spc="-10">
-                <a:latin typeface="Arial MT"/>
-                <a:cs typeface="Arial MT"/>
-              </a:rPr>
-              <a:t> </a:t>
-            </a:r>
-            <a:r>
-              <a:rPr dirty="0" sz="1000">
+              <a:rPr sz="1000" spc="-10" dirty="0">
+                <a:latin typeface="Arial MT"/>
+                <a:cs typeface="Arial MT"/>
+              </a:rPr>
+              <a:t> </a:t>
+            </a:r>
+            <a:r>
+              <a:rPr sz="1000" dirty="0">
                 <a:latin typeface="Arial MT"/>
                 <a:cs typeface="Arial MT"/>
               </a:rPr>
               <a:t>More</a:t>
             </a:r>
             <a:r>
-              <a:rPr dirty="0" sz="1000" spc="-10">
-                <a:latin typeface="Arial MT"/>
-                <a:cs typeface="Arial MT"/>
-              </a:rPr>
-              <a:t> </a:t>
-            </a:r>
-            <a:r>
-              <a:rPr dirty="0" sz="1000">
+              <a:rPr sz="1000" spc="-10" dirty="0">
+                <a:latin typeface="Arial MT"/>
+                <a:cs typeface="Arial MT"/>
+              </a:rPr>
+              <a:t> </a:t>
+            </a:r>
+            <a:r>
+              <a:rPr sz="1000" dirty="0">
                 <a:latin typeface="Arial MT"/>
                 <a:cs typeface="Arial MT"/>
               </a:rPr>
               <a:t>text.</a:t>
             </a:r>
             <a:r>
-              <a:rPr dirty="0" sz="1000" spc="-10">
-                <a:latin typeface="Arial MT"/>
-                <a:cs typeface="Arial MT"/>
-              </a:rPr>
-              <a:t> </a:t>
-            </a:r>
-            <a:r>
-              <a:rPr dirty="0" sz="1000">
+              <a:rPr sz="1000" spc="-10" dirty="0">
+                <a:latin typeface="Arial MT"/>
+                <a:cs typeface="Arial MT"/>
+              </a:rPr>
+              <a:t> </a:t>
+            </a:r>
+            <a:r>
+              <a:rPr sz="1000" dirty="0">
                 <a:latin typeface="Arial MT"/>
                 <a:cs typeface="Arial MT"/>
               </a:rPr>
               <a:t>And</a:t>
             </a:r>
             <a:r>
-              <a:rPr dirty="0" sz="1000" spc="-5">
-                <a:latin typeface="Arial MT"/>
-                <a:cs typeface="Arial MT"/>
-              </a:rPr>
-              <a:t> </a:t>
-            </a:r>
-            <a:r>
-              <a:rPr dirty="0" sz="1000">
+              <a:rPr sz="1000" spc="-5" dirty="0">
+                <a:latin typeface="Arial MT"/>
+                <a:cs typeface="Arial MT"/>
+              </a:rPr>
+              <a:t> </a:t>
+            </a:r>
+            <a:r>
+              <a:rPr sz="1000" dirty="0">
                 <a:latin typeface="Arial MT"/>
                 <a:cs typeface="Arial MT"/>
               </a:rPr>
               <a:t>more </a:t>
             </a:r>
             <a:r>
-              <a:rPr dirty="0" sz="1000" spc="-265">
-                <a:latin typeface="Arial MT"/>
-                <a:cs typeface="Arial MT"/>
-              </a:rPr>
-              <a:t> </a:t>
-            </a:r>
-            <a:r>
-              <a:rPr dirty="0" sz="1000">
+              <a:rPr sz="1000" spc="-265" dirty="0">
+                <a:latin typeface="Arial MT"/>
+                <a:cs typeface="Arial MT"/>
+              </a:rPr>
+              <a:t> </a:t>
+            </a:r>
+            <a:r>
+              <a:rPr sz="1000" dirty="0">
                 <a:latin typeface="Arial MT"/>
                 <a:cs typeface="Arial MT"/>
               </a:rPr>
               <a:t>text.</a:t>
             </a:r>
             <a:r>
-              <a:rPr dirty="0" sz="1000" spc="-5">
-                <a:latin typeface="Arial MT"/>
-                <a:cs typeface="Arial MT"/>
-              </a:rPr>
-              <a:t> </a:t>
-            </a:r>
-            <a:r>
-              <a:rPr dirty="0" sz="1000">
+              <a:rPr sz="1000" spc="-5" dirty="0">
+                <a:latin typeface="Arial MT"/>
+                <a:cs typeface="Arial MT"/>
+              </a:rPr>
+              <a:t> </a:t>
+            </a:r>
+            <a:r>
+              <a:rPr sz="1000" dirty="0">
                 <a:latin typeface="Arial MT"/>
                 <a:cs typeface="Arial MT"/>
               </a:rPr>
               <a:t>And</a:t>
             </a:r>
             <a:r>
-              <a:rPr dirty="0" sz="1000" spc="-5">
-                <a:latin typeface="Arial MT"/>
-                <a:cs typeface="Arial MT"/>
-              </a:rPr>
-              <a:t> </a:t>
-            </a:r>
-            <a:r>
-              <a:rPr dirty="0" sz="1000">
+              <a:rPr sz="1000" spc="-5" dirty="0">
+                <a:latin typeface="Arial MT"/>
+                <a:cs typeface="Arial MT"/>
+              </a:rPr>
+              <a:t> </a:t>
+            </a:r>
+            <a:r>
+              <a:rPr sz="1000" dirty="0">
                 <a:latin typeface="Arial MT"/>
                 <a:cs typeface="Arial MT"/>
               </a:rPr>
               <a:t>more text.</a:t>
             </a:r>
             <a:r>
-              <a:rPr dirty="0" sz="1000" spc="-5">
-                <a:latin typeface="Arial MT"/>
-                <a:cs typeface="Arial MT"/>
-              </a:rPr>
-              <a:t> </a:t>
-            </a:r>
-            <a:r>
-              <a:rPr dirty="0" sz="1000">
+              <a:rPr sz="1000" spc="-5" dirty="0">
+                <a:latin typeface="Arial MT"/>
+                <a:cs typeface="Arial MT"/>
+              </a:rPr>
+              <a:t> </a:t>
+            </a:r>
+            <a:r>
+              <a:rPr sz="1000" dirty="0">
                 <a:latin typeface="Arial MT"/>
                 <a:cs typeface="Arial MT"/>
               </a:rPr>
               <a:t>And more</a:t>
             </a:r>
             <a:r>
-              <a:rPr dirty="0" sz="1000" spc="-5">
-                <a:latin typeface="Arial MT"/>
-                <a:cs typeface="Arial MT"/>
-              </a:rPr>
-              <a:t> </a:t>
-            </a:r>
-            <a:r>
-              <a:rPr dirty="0" sz="1000">
+              <a:rPr sz="1000" spc="-5" dirty="0">
+                <a:latin typeface="Arial MT"/>
+                <a:cs typeface="Arial MT"/>
+              </a:rPr>
+              <a:t> </a:t>
+            </a:r>
+            <a:r>
+              <a:rPr sz="1000" dirty="0">
                 <a:latin typeface="Arial MT"/>
                 <a:cs typeface="Arial MT"/>
               </a:rPr>
               <a:t>text.</a:t>
             </a:r>
             <a:r>
-              <a:rPr dirty="0" sz="1000" spc="-5">
-                <a:latin typeface="Arial MT"/>
-                <a:cs typeface="Arial MT"/>
-              </a:rPr>
-              <a:t> </a:t>
-            </a:r>
-            <a:r>
-              <a:rPr dirty="0" sz="1000">
+              <a:rPr sz="1000" spc="-5" dirty="0">
+                <a:latin typeface="Arial MT"/>
+                <a:cs typeface="Arial MT"/>
+              </a:rPr>
+              <a:t> </a:t>
+            </a:r>
+            <a:r>
+              <a:rPr sz="1000" dirty="0">
                 <a:latin typeface="Arial MT"/>
                 <a:cs typeface="Arial MT"/>
               </a:rPr>
               <a:t>And more</a:t>
             </a:r>
             <a:r>
-              <a:rPr dirty="0" sz="1000" spc="-5">
-                <a:latin typeface="Arial MT"/>
-                <a:cs typeface="Arial MT"/>
-              </a:rPr>
-              <a:t> </a:t>
-            </a:r>
-            <a:r>
-              <a:rPr dirty="0" sz="1000">
+              <a:rPr sz="1000" spc="-5" dirty="0">
+                <a:latin typeface="Arial MT"/>
+                <a:cs typeface="Arial MT"/>
+              </a:rPr>
+              <a:t> </a:t>
+            </a:r>
+            <a:r>
+              <a:rPr sz="1000" dirty="0">
                 <a:latin typeface="Arial MT"/>
                 <a:cs typeface="Arial MT"/>
               </a:rPr>
               <a:t>text.</a:t>
             </a:r>
-            <a:endParaRPr sz="1000">
-              <a:latin typeface="Arial MT"/>
-              <a:cs typeface="Arial MT"/>
-            </a:endParaRPr>
           </a:p>
           <a:p>
             <a:pPr>
@@ -1686,7 +1841,7 @@
                 <a:spcPts val="35"/>
               </a:spcBef>
             </a:pPr>
-            <a:endParaRPr sz="1000">
+            <a:endParaRPr sz="1000" dirty="0">
               <a:latin typeface="Arial MT"/>
               <a:cs typeface="Arial MT"/>
             </a:endParaRPr>
@@ -1698,268 +1853,264 @@
               </a:lnSpc>
             </a:pPr>
             <a:r>
-              <a:rPr dirty="0" sz="1000">
+              <a:rPr sz="1000" dirty="0">
                 <a:latin typeface="Arial MT"/>
                 <a:cs typeface="Arial MT"/>
               </a:rPr>
               <a:t>And more text. And more text. And more text. And more text. And more </a:t>
             </a:r>
             <a:r>
-              <a:rPr dirty="0" sz="1000" spc="-265">
-                <a:latin typeface="Arial MT"/>
-                <a:cs typeface="Arial MT"/>
-              </a:rPr>
-              <a:t> </a:t>
-            </a:r>
-            <a:r>
-              <a:rPr dirty="0" sz="1000">
+              <a:rPr sz="1000" spc="-265" dirty="0">
+                <a:latin typeface="Arial MT"/>
+                <a:cs typeface="Arial MT"/>
+              </a:rPr>
+              <a:t> </a:t>
+            </a:r>
+            <a:r>
+              <a:rPr sz="1000" dirty="0">
                 <a:latin typeface="Arial MT"/>
                 <a:cs typeface="Arial MT"/>
               </a:rPr>
               <a:t>text. And more text. Boring, zzzzz. And more text. And more text. And </a:t>
             </a:r>
             <a:r>
-              <a:rPr dirty="0" sz="1000" spc="5">
-                <a:latin typeface="Arial MT"/>
-                <a:cs typeface="Arial MT"/>
-              </a:rPr>
-              <a:t> </a:t>
-            </a:r>
-            <a:r>
-              <a:rPr dirty="0" sz="1000">
+              <a:rPr sz="1000" spc="5" dirty="0">
+                <a:latin typeface="Arial MT"/>
+                <a:cs typeface="Arial MT"/>
+              </a:rPr>
+              <a:t> </a:t>
+            </a:r>
+            <a:r>
+              <a:rPr sz="1000" dirty="0">
                 <a:latin typeface="Arial MT"/>
                 <a:cs typeface="Arial MT"/>
               </a:rPr>
               <a:t>more</a:t>
             </a:r>
             <a:r>
-              <a:rPr dirty="0" sz="1000" spc="-10">
-                <a:latin typeface="Arial MT"/>
-                <a:cs typeface="Arial MT"/>
-              </a:rPr>
-              <a:t> </a:t>
-            </a:r>
-            <a:r>
-              <a:rPr dirty="0" sz="1000">
+              <a:rPr sz="1000" spc="-10" dirty="0">
+                <a:latin typeface="Arial MT"/>
+                <a:cs typeface="Arial MT"/>
+              </a:rPr>
+              <a:t> </a:t>
+            </a:r>
+            <a:r>
+              <a:rPr sz="1000" dirty="0">
                 <a:latin typeface="Arial MT"/>
                 <a:cs typeface="Arial MT"/>
               </a:rPr>
               <a:t>text.</a:t>
             </a:r>
             <a:r>
-              <a:rPr dirty="0" sz="1000" spc="-10">
-                <a:latin typeface="Arial MT"/>
-                <a:cs typeface="Arial MT"/>
-              </a:rPr>
-              <a:t> </a:t>
-            </a:r>
-            <a:r>
-              <a:rPr dirty="0" sz="1000">
+              <a:rPr sz="1000" spc="-10" dirty="0">
+                <a:latin typeface="Arial MT"/>
+                <a:cs typeface="Arial MT"/>
+              </a:rPr>
+              <a:t> </a:t>
+            </a:r>
+            <a:r>
+              <a:rPr sz="1000" dirty="0">
                 <a:latin typeface="Arial MT"/>
                 <a:cs typeface="Arial MT"/>
               </a:rPr>
               <a:t>And</a:t>
             </a:r>
             <a:r>
-              <a:rPr dirty="0" sz="1000" spc="-5">
-                <a:latin typeface="Arial MT"/>
-                <a:cs typeface="Arial MT"/>
-              </a:rPr>
-              <a:t> </a:t>
-            </a:r>
-            <a:r>
-              <a:rPr dirty="0" sz="1000">
+              <a:rPr sz="1000" spc="-5" dirty="0">
+                <a:latin typeface="Arial MT"/>
+                <a:cs typeface="Arial MT"/>
+              </a:rPr>
+              <a:t> </a:t>
+            </a:r>
+            <a:r>
+              <a:rPr sz="1000" dirty="0">
                 <a:latin typeface="Arial MT"/>
                 <a:cs typeface="Arial MT"/>
               </a:rPr>
               <a:t>more</a:t>
             </a:r>
             <a:r>
-              <a:rPr dirty="0" sz="1000" spc="-10">
-                <a:latin typeface="Arial MT"/>
-                <a:cs typeface="Arial MT"/>
-              </a:rPr>
-              <a:t> </a:t>
-            </a:r>
-            <a:r>
-              <a:rPr dirty="0" sz="1000">
+              <a:rPr sz="1000" spc="-10" dirty="0">
+                <a:latin typeface="Arial MT"/>
+                <a:cs typeface="Arial MT"/>
+              </a:rPr>
+              <a:t> </a:t>
+            </a:r>
+            <a:r>
+              <a:rPr sz="1000" dirty="0">
                 <a:latin typeface="Arial MT"/>
                 <a:cs typeface="Arial MT"/>
               </a:rPr>
               <a:t>text.</a:t>
             </a:r>
             <a:r>
-              <a:rPr dirty="0" sz="1000" spc="-5">
-                <a:latin typeface="Arial MT"/>
-                <a:cs typeface="Arial MT"/>
-              </a:rPr>
-              <a:t> </a:t>
-            </a:r>
-            <a:r>
-              <a:rPr dirty="0" sz="1000">
+              <a:rPr sz="1000" spc="-5" dirty="0">
+                <a:latin typeface="Arial MT"/>
+                <a:cs typeface="Arial MT"/>
+              </a:rPr>
+              <a:t> </a:t>
+            </a:r>
+            <a:r>
+              <a:rPr sz="1000" dirty="0">
                 <a:latin typeface="Arial MT"/>
                 <a:cs typeface="Arial MT"/>
               </a:rPr>
               <a:t>And</a:t>
             </a:r>
             <a:r>
-              <a:rPr dirty="0" sz="1000" spc="-10">
-                <a:latin typeface="Arial MT"/>
-                <a:cs typeface="Arial MT"/>
-              </a:rPr>
-              <a:t> </a:t>
-            </a:r>
-            <a:r>
-              <a:rPr dirty="0" sz="1000">
+              <a:rPr sz="1000" spc="-10" dirty="0">
+                <a:latin typeface="Arial MT"/>
+                <a:cs typeface="Arial MT"/>
+              </a:rPr>
+              <a:t> </a:t>
+            </a:r>
+            <a:r>
+              <a:rPr sz="1000" dirty="0">
                 <a:latin typeface="Arial MT"/>
                 <a:cs typeface="Arial MT"/>
               </a:rPr>
               <a:t>more</a:t>
             </a:r>
             <a:r>
-              <a:rPr dirty="0" sz="1000" spc="-5">
-                <a:latin typeface="Arial MT"/>
-                <a:cs typeface="Arial MT"/>
-              </a:rPr>
-              <a:t> </a:t>
-            </a:r>
-            <a:r>
-              <a:rPr dirty="0" sz="1000">
+              <a:rPr sz="1000" spc="-5" dirty="0">
+                <a:latin typeface="Arial MT"/>
+                <a:cs typeface="Arial MT"/>
+              </a:rPr>
+              <a:t> </a:t>
+            </a:r>
+            <a:r>
+              <a:rPr sz="1000" dirty="0">
                 <a:latin typeface="Arial MT"/>
                 <a:cs typeface="Arial MT"/>
               </a:rPr>
               <a:t>text.</a:t>
             </a:r>
             <a:r>
-              <a:rPr dirty="0" sz="1000" spc="-10">
-                <a:latin typeface="Arial MT"/>
-                <a:cs typeface="Arial MT"/>
-              </a:rPr>
-              <a:t> </a:t>
-            </a:r>
-            <a:r>
-              <a:rPr dirty="0" sz="1000">
+              <a:rPr sz="1000" spc="-10" dirty="0">
+                <a:latin typeface="Arial MT"/>
+                <a:cs typeface="Arial MT"/>
+              </a:rPr>
+              <a:t> </a:t>
+            </a:r>
+            <a:r>
+              <a:rPr sz="1000" dirty="0">
                 <a:latin typeface="Arial MT"/>
                 <a:cs typeface="Arial MT"/>
               </a:rPr>
               <a:t>And</a:t>
             </a:r>
             <a:r>
-              <a:rPr dirty="0" sz="1000" spc="-5">
-                <a:latin typeface="Arial MT"/>
-                <a:cs typeface="Arial MT"/>
-              </a:rPr>
-              <a:t> </a:t>
-            </a:r>
-            <a:r>
-              <a:rPr dirty="0" sz="1000">
+              <a:rPr sz="1000" spc="-5" dirty="0">
+                <a:latin typeface="Arial MT"/>
+                <a:cs typeface="Arial MT"/>
+              </a:rPr>
+              <a:t> </a:t>
+            </a:r>
+            <a:r>
+              <a:rPr sz="1000" dirty="0">
                 <a:latin typeface="Arial MT"/>
                 <a:cs typeface="Arial MT"/>
               </a:rPr>
               <a:t>more</a:t>
             </a:r>
             <a:r>
-              <a:rPr dirty="0" sz="1000" spc="-10">
-                <a:latin typeface="Arial MT"/>
-                <a:cs typeface="Arial MT"/>
-              </a:rPr>
-              <a:t> </a:t>
-            </a:r>
-            <a:r>
-              <a:rPr dirty="0" sz="1000">
+              <a:rPr sz="1000" spc="-10" dirty="0">
+                <a:latin typeface="Arial MT"/>
+                <a:cs typeface="Arial MT"/>
+              </a:rPr>
+              <a:t> </a:t>
+            </a:r>
+            <a:r>
+              <a:rPr sz="1000" dirty="0">
                 <a:latin typeface="Arial MT"/>
                 <a:cs typeface="Arial MT"/>
               </a:rPr>
               <a:t>text.</a:t>
             </a:r>
             <a:r>
-              <a:rPr dirty="0" sz="1000" spc="-5">
-                <a:latin typeface="Arial MT"/>
-                <a:cs typeface="Arial MT"/>
-              </a:rPr>
-              <a:t> </a:t>
-            </a:r>
-            <a:r>
-              <a:rPr dirty="0" sz="1000">
+              <a:rPr sz="1000" spc="-5" dirty="0">
+                <a:latin typeface="Arial MT"/>
+                <a:cs typeface="Arial MT"/>
+              </a:rPr>
+              <a:t> </a:t>
+            </a:r>
+            <a:r>
+              <a:rPr sz="1000" dirty="0">
                 <a:latin typeface="Arial MT"/>
                 <a:cs typeface="Arial MT"/>
               </a:rPr>
               <a:t>And</a:t>
             </a:r>
             <a:r>
-              <a:rPr dirty="0" sz="1000" spc="-10">
-                <a:latin typeface="Arial MT"/>
-                <a:cs typeface="Arial MT"/>
-              </a:rPr>
-              <a:t> </a:t>
-            </a:r>
-            <a:r>
-              <a:rPr dirty="0" sz="1000">
+              <a:rPr sz="1000" spc="-10" dirty="0">
+                <a:latin typeface="Arial MT"/>
+                <a:cs typeface="Arial MT"/>
+              </a:rPr>
+              <a:t> </a:t>
+            </a:r>
+            <a:r>
+              <a:rPr sz="1000" dirty="0">
                 <a:latin typeface="Arial MT"/>
                 <a:cs typeface="Arial MT"/>
               </a:rPr>
               <a:t>more</a:t>
             </a:r>
             <a:r>
-              <a:rPr dirty="0" sz="1000" spc="-5">
-                <a:latin typeface="Arial MT"/>
-                <a:cs typeface="Arial MT"/>
-              </a:rPr>
-              <a:t> </a:t>
-            </a:r>
-            <a:r>
-              <a:rPr dirty="0" sz="1000">
+              <a:rPr sz="1000" spc="-5" dirty="0">
+                <a:latin typeface="Arial MT"/>
+                <a:cs typeface="Arial MT"/>
+              </a:rPr>
+              <a:t> </a:t>
+            </a:r>
+            <a:r>
+              <a:rPr sz="1000" dirty="0">
                 <a:latin typeface="Arial MT"/>
                 <a:cs typeface="Arial MT"/>
               </a:rPr>
               <a:t>text. </a:t>
             </a:r>
             <a:r>
-              <a:rPr dirty="0" sz="1000" spc="-270">
-                <a:latin typeface="Arial MT"/>
-                <a:cs typeface="Arial MT"/>
-              </a:rPr>
-              <a:t> </a:t>
-            </a:r>
-            <a:r>
-              <a:rPr dirty="0" sz="1000">
+              <a:rPr sz="1000" spc="-270" dirty="0">
+                <a:latin typeface="Arial MT"/>
+                <a:cs typeface="Arial MT"/>
+              </a:rPr>
+              <a:t> </a:t>
+            </a:r>
+            <a:r>
+              <a:rPr sz="1000" dirty="0">
                 <a:latin typeface="Arial MT"/>
                 <a:cs typeface="Arial MT"/>
               </a:rPr>
               <a:t>And</a:t>
             </a:r>
             <a:r>
-              <a:rPr dirty="0" sz="1000" spc="-5">
-                <a:latin typeface="Arial MT"/>
-                <a:cs typeface="Arial MT"/>
-              </a:rPr>
-              <a:t> </a:t>
-            </a:r>
-            <a:r>
-              <a:rPr dirty="0" sz="1000">
+              <a:rPr sz="1000" spc="-5" dirty="0">
+                <a:latin typeface="Arial MT"/>
+                <a:cs typeface="Arial MT"/>
+              </a:rPr>
+              <a:t> </a:t>
+            </a:r>
+            <a:r>
+              <a:rPr sz="1000" dirty="0">
                 <a:latin typeface="Arial MT"/>
                 <a:cs typeface="Arial MT"/>
               </a:rPr>
               <a:t>more text. And</a:t>
             </a:r>
             <a:r>
-              <a:rPr dirty="0" sz="1000" spc="-5">
-                <a:latin typeface="Arial MT"/>
-                <a:cs typeface="Arial MT"/>
-              </a:rPr>
-              <a:t> </a:t>
-            </a:r>
-            <a:r>
-              <a:rPr dirty="0" sz="1000">
+              <a:rPr sz="1000" spc="-5" dirty="0">
+                <a:latin typeface="Arial MT"/>
+                <a:cs typeface="Arial MT"/>
+              </a:rPr>
+              <a:t> </a:t>
+            </a:r>
+            <a:r>
+              <a:rPr sz="1000" dirty="0">
                 <a:latin typeface="Arial MT"/>
                 <a:cs typeface="Arial MT"/>
               </a:rPr>
               <a:t>more text.</a:t>
             </a:r>
-            <a:endParaRPr sz="1000">
-              <a:latin typeface="Arial MT"/>
-              <a:cs typeface="Arial MT"/>
-            </a:endParaRPr>
           </a:p>
           <a:p>
             <a:pPr>
@@ -1970,7 +2121,7 @@
                 <a:spcPts val="25"/>
               </a:spcBef>
             </a:pPr>
-            <a:endParaRPr sz="1000">
+            <a:endParaRPr sz="1000" dirty="0">
               <a:latin typeface="Arial MT"/>
               <a:cs typeface="Arial MT"/>
             </a:endParaRPr>
@@ -1982,394 +2133,390 @@
               </a:lnSpc>
             </a:pPr>
             <a:r>
-              <a:rPr dirty="0" sz="1000">
+              <a:rPr sz="1000" dirty="0">
                 <a:latin typeface="Arial MT"/>
                 <a:cs typeface="Arial MT"/>
               </a:rPr>
               <a:t>And</a:t>
             </a:r>
             <a:r>
-              <a:rPr dirty="0" sz="1000" spc="-10">
-                <a:latin typeface="Arial MT"/>
-                <a:cs typeface="Arial MT"/>
-              </a:rPr>
-              <a:t> </a:t>
-            </a:r>
-            <a:r>
-              <a:rPr dirty="0" sz="1000">
+              <a:rPr sz="1000" spc="-10" dirty="0">
+                <a:latin typeface="Arial MT"/>
+                <a:cs typeface="Arial MT"/>
+              </a:rPr>
+              <a:t> </a:t>
+            </a:r>
+            <a:r>
+              <a:rPr sz="1000" dirty="0">
                 <a:latin typeface="Arial MT"/>
                 <a:cs typeface="Arial MT"/>
               </a:rPr>
               <a:t>more</a:t>
             </a:r>
             <a:r>
-              <a:rPr dirty="0" sz="1000" spc="-10">
-                <a:latin typeface="Arial MT"/>
-                <a:cs typeface="Arial MT"/>
-              </a:rPr>
-              <a:t> </a:t>
-            </a:r>
-            <a:r>
-              <a:rPr dirty="0" sz="1000">
+              <a:rPr sz="1000" spc="-10" dirty="0">
+                <a:latin typeface="Arial MT"/>
+                <a:cs typeface="Arial MT"/>
+              </a:rPr>
+              <a:t> </a:t>
+            </a:r>
+            <a:r>
+              <a:rPr sz="1000" dirty="0">
                 <a:latin typeface="Arial MT"/>
                 <a:cs typeface="Arial MT"/>
               </a:rPr>
               <a:t>text.</a:t>
             </a:r>
             <a:r>
-              <a:rPr dirty="0" sz="1000" spc="-5">
-                <a:latin typeface="Arial MT"/>
-                <a:cs typeface="Arial MT"/>
-              </a:rPr>
-              <a:t> </a:t>
-            </a:r>
-            <a:r>
-              <a:rPr dirty="0" sz="1000">
+              <a:rPr sz="1000" spc="-5" dirty="0">
+                <a:latin typeface="Arial MT"/>
+                <a:cs typeface="Arial MT"/>
+              </a:rPr>
+              <a:t> </a:t>
+            </a:r>
+            <a:r>
+              <a:rPr sz="1000" dirty="0">
                 <a:latin typeface="Arial MT"/>
                 <a:cs typeface="Arial MT"/>
               </a:rPr>
               <a:t>And</a:t>
             </a:r>
             <a:r>
-              <a:rPr dirty="0" sz="1000" spc="-10">
-                <a:latin typeface="Arial MT"/>
-                <a:cs typeface="Arial MT"/>
-              </a:rPr>
-              <a:t> </a:t>
-            </a:r>
-            <a:r>
-              <a:rPr dirty="0" sz="1000">
+              <a:rPr sz="1000" spc="-10" dirty="0">
+                <a:latin typeface="Arial MT"/>
+                <a:cs typeface="Arial MT"/>
+              </a:rPr>
+              <a:t> </a:t>
+            </a:r>
+            <a:r>
+              <a:rPr sz="1000" dirty="0">
                 <a:latin typeface="Arial MT"/>
                 <a:cs typeface="Arial MT"/>
               </a:rPr>
               <a:t>more</a:t>
             </a:r>
             <a:r>
-              <a:rPr dirty="0" sz="1000" spc="-5">
-                <a:latin typeface="Arial MT"/>
-                <a:cs typeface="Arial MT"/>
-              </a:rPr>
-              <a:t> </a:t>
-            </a:r>
-            <a:r>
-              <a:rPr dirty="0" sz="1000">
+              <a:rPr sz="1000" spc="-5" dirty="0">
+                <a:latin typeface="Arial MT"/>
+                <a:cs typeface="Arial MT"/>
+              </a:rPr>
+              <a:t> </a:t>
+            </a:r>
+            <a:r>
+              <a:rPr sz="1000" dirty="0">
                 <a:latin typeface="Arial MT"/>
                 <a:cs typeface="Arial MT"/>
               </a:rPr>
               <a:t>text.</a:t>
             </a:r>
             <a:r>
-              <a:rPr dirty="0" sz="1000" spc="-10">
-                <a:latin typeface="Arial MT"/>
-                <a:cs typeface="Arial MT"/>
-              </a:rPr>
-              <a:t> </a:t>
-            </a:r>
-            <a:r>
-              <a:rPr dirty="0" sz="1000">
+              <a:rPr sz="1000" spc="-10" dirty="0">
+                <a:latin typeface="Arial MT"/>
+                <a:cs typeface="Arial MT"/>
+              </a:rPr>
+              <a:t> </a:t>
+            </a:r>
+            <a:r>
+              <a:rPr sz="1000" dirty="0">
                 <a:latin typeface="Arial MT"/>
                 <a:cs typeface="Arial MT"/>
               </a:rPr>
               <a:t>And</a:t>
             </a:r>
             <a:r>
-              <a:rPr dirty="0" sz="1000" spc="-5">
-                <a:latin typeface="Arial MT"/>
-                <a:cs typeface="Arial MT"/>
-              </a:rPr>
-              <a:t> </a:t>
-            </a:r>
-            <a:r>
-              <a:rPr dirty="0" sz="1000">
+              <a:rPr sz="1000" spc="-5" dirty="0">
+                <a:latin typeface="Arial MT"/>
+                <a:cs typeface="Arial MT"/>
+              </a:rPr>
+              <a:t> </a:t>
+            </a:r>
+            <a:r>
+              <a:rPr sz="1000" dirty="0">
                 <a:latin typeface="Arial MT"/>
                 <a:cs typeface="Arial MT"/>
               </a:rPr>
               <a:t>more</a:t>
             </a:r>
             <a:r>
-              <a:rPr dirty="0" sz="1000" spc="-10">
-                <a:latin typeface="Arial MT"/>
-                <a:cs typeface="Arial MT"/>
-              </a:rPr>
-              <a:t> </a:t>
-            </a:r>
-            <a:r>
-              <a:rPr dirty="0" sz="1000">
+              <a:rPr sz="1000" spc="-10" dirty="0">
+                <a:latin typeface="Arial MT"/>
+                <a:cs typeface="Arial MT"/>
+              </a:rPr>
+              <a:t> </a:t>
+            </a:r>
+            <a:r>
+              <a:rPr sz="1000" dirty="0">
                 <a:latin typeface="Arial MT"/>
                 <a:cs typeface="Arial MT"/>
               </a:rPr>
               <a:t>text.</a:t>
             </a:r>
             <a:r>
-              <a:rPr dirty="0" sz="1000" spc="-5">
-                <a:latin typeface="Arial MT"/>
-                <a:cs typeface="Arial MT"/>
-              </a:rPr>
-              <a:t> </a:t>
-            </a:r>
-            <a:r>
-              <a:rPr dirty="0" sz="1000">
+              <a:rPr sz="1000" spc="-5" dirty="0">
+                <a:latin typeface="Arial MT"/>
+                <a:cs typeface="Arial MT"/>
+              </a:rPr>
+              <a:t> </a:t>
+            </a:r>
+            <a:r>
+              <a:rPr sz="1000" dirty="0">
                 <a:latin typeface="Arial MT"/>
                 <a:cs typeface="Arial MT"/>
               </a:rPr>
               <a:t>And</a:t>
             </a:r>
             <a:r>
-              <a:rPr dirty="0" sz="1000" spc="-10">
-                <a:latin typeface="Arial MT"/>
-                <a:cs typeface="Arial MT"/>
-              </a:rPr>
-              <a:t> </a:t>
-            </a:r>
-            <a:r>
-              <a:rPr dirty="0" sz="1000">
+              <a:rPr sz="1000" spc="-10" dirty="0">
+                <a:latin typeface="Arial MT"/>
+                <a:cs typeface="Arial MT"/>
+              </a:rPr>
+              <a:t> </a:t>
+            </a:r>
+            <a:r>
+              <a:rPr sz="1000" dirty="0">
                 <a:latin typeface="Arial MT"/>
                 <a:cs typeface="Arial MT"/>
               </a:rPr>
               <a:t>more</a:t>
             </a:r>
             <a:r>
-              <a:rPr dirty="0" sz="1000" spc="-5">
-                <a:latin typeface="Arial MT"/>
-                <a:cs typeface="Arial MT"/>
-              </a:rPr>
-              <a:t> </a:t>
-            </a:r>
-            <a:r>
-              <a:rPr dirty="0" sz="1000">
+              <a:rPr sz="1000" spc="-5" dirty="0">
+                <a:latin typeface="Arial MT"/>
+                <a:cs typeface="Arial MT"/>
+              </a:rPr>
+              <a:t> </a:t>
+            </a:r>
+            <a:r>
+              <a:rPr sz="1000" dirty="0">
                 <a:latin typeface="Arial MT"/>
                 <a:cs typeface="Arial MT"/>
               </a:rPr>
               <a:t>text.</a:t>
             </a:r>
             <a:r>
-              <a:rPr dirty="0" sz="1000" spc="-10">
-                <a:latin typeface="Arial MT"/>
-                <a:cs typeface="Arial MT"/>
-              </a:rPr>
-              <a:t> </a:t>
-            </a:r>
-            <a:r>
-              <a:rPr dirty="0" sz="1000">
+              <a:rPr sz="1000" spc="-10" dirty="0">
+                <a:latin typeface="Arial MT"/>
+                <a:cs typeface="Arial MT"/>
+              </a:rPr>
+              <a:t> </a:t>
+            </a:r>
+            <a:r>
+              <a:rPr sz="1000" dirty="0">
                 <a:latin typeface="Arial MT"/>
                 <a:cs typeface="Arial MT"/>
               </a:rPr>
               <a:t>And</a:t>
             </a:r>
             <a:r>
-              <a:rPr dirty="0" sz="1000" spc="-5">
-                <a:latin typeface="Arial MT"/>
-                <a:cs typeface="Arial MT"/>
-              </a:rPr>
-              <a:t> </a:t>
-            </a:r>
-            <a:r>
-              <a:rPr dirty="0" sz="1000">
+              <a:rPr sz="1000" spc="-5" dirty="0">
+                <a:latin typeface="Arial MT"/>
+                <a:cs typeface="Arial MT"/>
+              </a:rPr>
+              <a:t> </a:t>
+            </a:r>
+            <a:r>
+              <a:rPr sz="1000" dirty="0">
                 <a:latin typeface="Arial MT"/>
                 <a:cs typeface="Arial MT"/>
               </a:rPr>
               <a:t>more </a:t>
             </a:r>
             <a:r>
-              <a:rPr dirty="0" sz="1000" spc="-265">
-                <a:latin typeface="Arial MT"/>
-                <a:cs typeface="Arial MT"/>
-              </a:rPr>
-              <a:t> </a:t>
-            </a:r>
-            <a:r>
-              <a:rPr dirty="0" sz="1000">
+              <a:rPr sz="1000" spc="-265" dirty="0">
+                <a:latin typeface="Arial MT"/>
+                <a:cs typeface="Arial MT"/>
+              </a:rPr>
+              <a:t> </a:t>
+            </a:r>
+            <a:r>
+              <a:rPr sz="1000" dirty="0">
                 <a:latin typeface="Arial MT"/>
                 <a:cs typeface="Arial MT"/>
               </a:rPr>
               <a:t>text.</a:t>
             </a:r>
             <a:r>
-              <a:rPr dirty="0" sz="1000" spc="-10">
-                <a:latin typeface="Arial MT"/>
-                <a:cs typeface="Arial MT"/>
-              </a:rPr>
-              <a:t> </a:t>
-            </a:r>
-            <a:r>
-              <a:rPr dirty="0" sz="1000">
+              <a:rPr sz="1000" spc="-10" dirty="0">
+                <a:latin typeface="Arial MT"/>
+                <a:cs typeface="Arial MT"/>
+              </a:rPr>
+              <a:t> </a:t>
+            </a:r>
+            <a:r>
+              <a:rPr sz="1000" dirty="0">
                 <a:latin typeface="Arial MT"/>
                 <a:cs typeface="Arial MT"/>
               </a:rPr>
               <a:t>And</a:t>
             </a:r>
             <a:r>
-              <a:rPr dirty="0" sz="1000" spc="-10">
-                <a:latin typeface="Arial MT"/>
-                <a:cs typeface="Arial MT"/>
-              </a:rPr>
-              <a:t> </a:t>
-            </a:r>
-            <a:r>
-              <a:rPr dirty="0" sz="1000">
+              <a:rPr sz="1000" spc="-10" dirty="0">
+                <a:latin typeface="Arial MT"/>
+                <a:cs typeface="Arial MT"/>
+              </a:rPr>
+              <a:t> </a:t>
+            </a:r>
+            <a:r>
+              <a:rPr sz="1000" dirty="0">
                 <a:latin typeface="Arial MT"/>
                 <a:cs typeface="Arial MT"/>
               </a:rPr>
               <a:t>more</a:t>
             </a:r>
             <a:r>
-              <a:rPr dirty="0" sz="1000" spc="-5">
-                <a:latin typeface="Arial MT"/>
-                <a:cs typeface="Arial MT"/>
-              </a:rPr>
-              <a:t> </a:t>
-            </a:r>
-            <a:r>
-              <a:rPr dirty="0" sz="1000">
+              <a:rPr sz="1000" spc="-5" dirty="0">
+                <a:latin typeface="Arial MT"/>
+                <a:cs typeface="Arial MT"/>
+              </a:rPr>
+              <a:t> </a:t>
+            </a:r>
+            <a:r>
+              <a:rPr sz="1000" dirty="0">
                 <a:latin typeface="Arial MT"/>
                 <a:cs typeface="Arial MT"/>
               </a:rPr>
               <a:t>text.</a:t>
             </a:r>
             <a:r>
-              <a:rPr dirty="0" sz="1000" spc="-10">
-                <a:latin typeface="Arial MT"/>
-                <a:cs typeface="Arial MT"/>
-              </a:rPr>
-              <a:t> </a:t>
-            </a:r>
-            <a:r>
-              <a:rPr dirty="0" sz="1000">
+              <a:rPr sz="1000" spc="-10" dirty="0">
+                <a:latin typeface="Arial MT"/>
+                <a:cs typeface="Arial MT"/>
+              </a:rPr>
+              <a:t> </a:t>
+            </a:r>
+            <a:r>
+              <a:rPr sz="1000" dirty="0">
                 <a:latin typeface="Arial MT"/>
                 <a:cs typeface="Arial MT"/>
               </a:rPr>
               <a:t>And</a:t>
             </a:r>
             <a:r>
-              <a:rPr dirty="0" sz="1000" spc="-5">
-                <a:latin typeface="Arial MT"/>
-                <a:cs typeface="Arial MT"/>
-              </a:rPr>
-              <a:t> </a:t>
-            </a:r>
-            <a:r>
-              <a:rPr dirty="0" sz="1000">
+              <a:rPr sz="1000" spc="-5" dirty="0">
+                <a:latin typeface="Arial MT"/>
+                <a:cs typeface="Arial MT"/>
+              </a:rPr>
+              <a:t> </a:t>
+            </a:r>
+            <a:r>
+              <a:rPr sz="1000" dirty="0">
                 <a:latin typeface="Arial MT"/>
                 <a:cs typeface="Arial MT"/>
               </a:rPr>
               <a:t>more</a:t>
             </a:r>
             <a:r>
-              <a:rPr dirty="0" sz="1000" spc="-10">
-                <a:latin typeface="Arial MT"/>
-                <a:cs typeface="Arial MT"/>
-              </a:rPr>
-              <a:t> </a:t>
-            </a:r>
-            <a:r>
-              <a:rPr dirty="0" sz="1000">
+              <a:rPr sz="1000" spc="-10" dirty="0">
+                <a:latin typeface="Arial MT"/>
+                <a:cs typeface="Arial MT"/>
+              </a:rPr>
+              <a:t> </a:t>
+            </a:r>
+            <a:r>
+              <a:rPr sz="1000" dirty="0">
                 <a:latin typeface="Arial MT"/>
                 <a:cs typeface="Arial MT"/>
               </a:rPr>
               <a:t>text.</a:t>
             </a:r>
             <a:r>
-              <a:rPr dirty="0" sz="1000" spc="-5">
-                <a:latin typeface="Arial MT"/>
-                <a:cs typeface="Arial MT"/>
-              </a:rPr>
-              <a:t> </a:t>
-            </a:r>
-            <a:r>
-              <a:rPr dirty="0" sz="1000">
+              <a:rPr sz="1000" spc="-5" dirty="0">
+                <a:latin typeface="Arial MT"/>
+                <a:cs typeface="Arial MT"/>
+              </a:rPr>
+              <a:t> </a:t>
+            </a:r>
+            <a:r>
+              <a:rPr sz="1000" dirty="0">
                 <a:latin typeface="Arial MT"/>
                 <a:cs typeface="Arial MT"/>
               </a:rPr>
               <a:t>Even</a:t>
             </a:r>
             <a:r>
-              <a:rPr dirty="0" sz="1000" spc="-10">
-                <a:latin typeface="Arial MT"/>
-                <a:cs typeface="Arial MT"/>
-              </a:rPr>
-              <a:t> </a:t>
-            </a:r>
-            <a:r>
-              <a:rPr dirty="0" sz="1000">
+              <a:rPr sz="1000" spc="-10" dirty="0">
+                <a:latin typeface="Arial MT"/>
+                <a:cs typeface="Arial MT"/>
+              </a:rPr>
+              <a:t> </a:t>
+            </a:r>
+            <a:r>
+              <a:rPr sz="1000" dirty="0">
                 <a:latin typeface="Arial MT"/>
                 <a:cs typeface="Arial MT"/>
               </a:rPr>
               <a:t>more.</a:t>
             </a:r>
             <a:r>
-              <a:rPr dirty="0" sz="1000" spc="-5">
-                <a:latin typeface="Arial MT"/>
-                <a:cs typeface="Arial MT"/>
-              </a:rPr>
-              <a:t> </a:t>
-            </a:r>
-            <a:r>
-              <a:rPr dirty="0" sz="1000">
+              <a:rPr sz="1000" spc="-5" dirty="0">
+                <a:latin typeface="Arial MT"/>
+                <a:cs typeface="Arial MT"/>
+              </a:rPr>
+              <a:t> </a:t>
+            </a:r>
+            <a:r>
+              <a:rPr sz="1000" dirty="0">
                 <a:latin typeface="Arial MT"/>
                 <a:cs typeface="Arial MT"/>
               </a:rPr>
               <a:t>Continued</a:t>
             </a:r>
             <a:r>
-              <a:rPr dirty="0" sz="1000" spc="-10">
-                <a:latin typeface="Arial MT"/>
-                <a:cs typeface="Arial MT"/>
-              </a:rPr>
-              <a:t> </a:t>
-            </a:r>
-            <a:r>
-              <a:rPr dirty="0" sz="1000">
+              <a:rPr sz="1000" spc="-10" dirty="0">
+                <a:latin typeface="Arial MT"/>
+                <a:cs typeface="Arial MT"/>
+              </a:rPr>
+              <a:t> </a:t>
+            </a:r>
+            <a:r>
+              <a:rPr sz="1000" dirty="0">
                 <a:latin typeface="Arial MT"/>
                 <a:cs typeface="Arial MT"/>
               </a:rPr>
               <a:t>on</a:t>
             </a:r>
             <a:r>
-              <a:rPr dirty="0" sz="1000" spc="-5">
-                <a:latin typeface="Arial MT"/>
-                <a:cs typeface="Arial MT"/>
-              </a:rPr>
-              <a:t> </a:t>
-            </a:r>
-            <a:r>
-              <a:rPr dirty="0" sz="1000">
+              <a:rPr sz="1000" spc="-5" dirty="0">
+                <a:latin typeface="Arial MT"/>
+                <a:cs typeface="Arial MT"/>
+              </a:rPr>
+              <a:t> </a:t>
+            </a:r>
+            <a:r>
+              <a:rPr sz="1000" dirty="0">
                 <a:latin typeface="Arial MT"/>
                 <a:cs typeface="Arial MT"/>
               </a:rPr>
               <a:t>page</a:t>
             </a:r>
             <a:r>
-              <a:rPr dirty="0" sz="1000" spc="-10">
-                <a:latin typeface="Arial MT"/>
-                <a:cs typeface="Arial MT"/>
-              </a:rPr>
-              <a:t> </a:t>
-            </a:r>
-            <a:r>
-              <a:rPr dirty="0" sz="1000">
+              <a:rPr sz="1000" spc="-10" dirty="0">
+                <a:latin typeface="Arial MT"/>
+                <a:cs typeface="Arial MT"/>
+              </a:rPr>
+              <a:t> </a:t>
+            </a:r>
+            <a:r>
+              <a:rPr sz="1000" dirty="0">
                 <a:latin typeface="Arial MT"/>
                 <a:cs typeface="Arial MT"/>
               </a:rPr>
               <a:t>2</a:t>
             </a:r>
             <a:r>
-              <a:rPr dirty="0" sz="1000" spc="-5">
-                <a:latin typeface="Arial MT"/>
-                <a:cs typeface="Arial MT"/>
-              </a:rPr>
-              <a:t> </a:t>
-            </a:r>
-            <a:r>
-              <a:rPr dirty="0" sz="1000">
+              <a:rPr sz="1000" spc="-5" dirty="0">
+                <a:latin typeface="Arial MT"/>
+                <a:cs typeface="Arial MT"/>
+              </a:rPr>
+              <a:t> </a:t>
+            </a:r>
+            <a:r>
+              <a:rPr sz="1000" dirty="0">
                 <a:latin typeface="Arial MT"/>
                 <a:cs typeface="Arial MT"/>
               </a:rPr>
               <a:t>...</a:t>
             </a:r>
-            <a:endParaRPr sz="1000">
-              <a:latin typeface="Arial MT"/>
-              <a:cs typeface="Arial MT"/>
-            </a:endParaRPr>
           </a:p>
         </p:txBody>
       </p:sp>
@@ -2413,10 +2560,12 @@
             <a:off x="811231" y="529843"/>
             <a:ext cx="2788920" cy="436880"/>
           </a:xfrm>
-          <a:prstGeom prst="rect"/>
+          <a:prstGeom prst="rect">
+            <a:avLst/>
+          </a:prstGeom>
         </p:spPr>
         <p:txBody>
-          <a:bodyPr wrap="square" lIns="0" tIns="12700" rIns="0" bIns="0" rtlCol="0" vert="horz">
+          <a:bodyPr vert="horz" wrap="square" lIns="0" tIns="12700" rIns="0" bIns="0" rtlCol="0">
             <a:spAutoFit/>
           </a:bodyPr>
           <a:lstStyle/>
@@ -2434,7 +2583,7 @@
               <a:t>Simple</a:t>
             </a:r>
             <a:r>
-              <a:rPr dirty="0" spc="-35"/>
+              <a:rPr spc="-35" dirty="0"/>
               <a:t> </a:t>
             </a:r>
             <a:r>
@@ -2442,7 +2591,7 @@
               <a:t>PDF</a:t>
             </a:r>
             <a:r>
-              <a:rPr dirty="0" spc="-30"/>
+              <a:rPr spc="-30" dirty="0"/>
               <a:t> </a:t>
             </a:r>
             <a:r>
@@ -2450,7 +2599,7 @@
               <a:t>File</a:t>
             </a:r>
             <a:r>
-              <a:rPr dirty="0" spc="-35"/>
+              <a:rPr spc="-35" dirty="0"/>
               <a:t> </a:t>
             </a:r>
             <a:r>
@@ -2476,7 +2625,7 @@
           </a:prstGeom>
         </p:spPr>
         <p:txBody>
-          <a:bodyPr wrap="square" lIns="0" tIns="12700" rIns="0" bIns="0" rtlCol="0" vert="horz">
+          <a:bodyPr vert="horz" wrap="square" lIns="0" tIns="12700" rIns="0" bIns="0" rtlCol="0">
             <a:spAutoFit/>
           </a:bodyPr>
           <a:lstStyle/>
@@ -2490,343 +2639,343 @@
               </a:spcBef>
             </a:pPr>
             <a:r>
-              <a:rPr dirty="0" sz="1000">
+              <a:rPr sz="1000" dirty="0">
                 <a:latin typeface="Arial MT"/>
                 <a:cs typeface="Arial MT"/>
               </a:rPr>
               <a:t>...continued from page 1. Yet more text. And more text. And more text. </a:t>
             </a:r>
             <a:r>
-              <a:rPr dirty="0" sz="1000" spc="-265">
-                <a:latin typeface="Arial MT"/>
-                <a:cs typeface="Arial MT"/>
-              </a:rPr>
-              <a:t> </a:t>
-            </a:r>
-            <a:r>
-              <a:rPr dirty="0" sz="1000">
+              <a:rPr sz="1000" spc="-265" dirty="0">
+                <a:latin typeface="Arial MT"/>
+                <a:cs typeface="Arial MT"/>
+              </a:rPr>
+              <a:t> </a:t>
+            </a:r>
+            <a:r>
+              <a:rPr sz="1000" dirty="0">
                 <a:latin typeface="Arial MT"/>
                 <a:cs typeface="Arial MT"/>
               </a:rPr>
               <a:t>And</a:t>
             </a:r>
             <a:r>
-              <a:rPr dirty="0" sz="1000" spc="-10">
-                <a:latin typeface="Arial MT"/>
-                <a:cs typeface="Arial MT"/>
-              </a:rPr>
-              <a:t> </a:t>
-            </a:r>
-            <a:r>
-              <a:rPr dirty="0" sz="1000">
+              <a:rPr sz="1000" spc="-10" dirty="0">
+                <a:latin typeface="Arial MT"/>
+                <a:cs typeface="Arial MT"/>
+              </a:rPr>
+              <a:t> </a:t>
+            </a:r>
+            <a:r>
+              <a:rPr sz="1000" dirty="0">
                 <a:latin typeface="Arial MT"/>
                 <a:cs typeface="Arial MT"/>
               </a:rPr>
               <a:t>more</a:t>
             </a:r>
             <a:r>
-              <a:rPr dirty="0" sz="1000" spc="-10">
-                <a:latin typeface="Arial MT"/>
-                <a:cs typeface="Arial MT"/>
-              </a:rPr>
-              <a:t> </a:t>
-            </a:r>
-            <a:r>
-              <a:rPr dirty="0" sz="1000">
+              <a:rPr sz="1000" spc="-10" dirty="0">
+                <a:latin typeface="Arial MT"/>
+                <a:cs typeface="Arial MT"/>
+              </a:rPr>
+              <a:t> </a:t>
+            </a:r>
+            <a:r>
+              <a:rPr sz="1000" dirty="0">
                 <a:latin typeface="Arial MT"/>
                 <a:cs typeface="Arial MT"/>
               </a:rPr>
               <a:t>text.</a:t>
             </a:r>
             <a:r>
-              <a:rPr dirty="0" sz="1000" spc="-5">
-                <a:latin typeface="Arial MT"/>
-                <a:cs typeface="Arial MT"/>
-              </a:rPr>
-              <a:t> </a:t>
-            </a:r>
-            <a:r>
-              <a:rPr dirty="0" sz="1000">
+              <a:rPr sz="1000" spc="-5" dirty="0">
+                <a:latin typeface="Arial MT"/>
+                <a:cs typeface="Arial MT"/>
+              </a:rPr>
+              <a:t> </a:t>
+            </a:r>
+            <a:r>
+              <a:rPr sz="1000" dirty="0">
                 <a:latin typeface="Arial MT"/>
                 <a:cs typeface="Arial MT"/>
               </a:rPr>
               <a:t>And</a:t>
             </a:r>
             <a:r>
-              <a:rPr dirty="0" sz="1000" spc="-10">
-                <a:latin typeface="Arial MT"/>
-                <a:cs typeface="Arial MT"/>
-              </a:rPr>
-              <a:t> </a:t>
-            </a:r>
-            <a:r>
-              <a:rPr dirty="0" sz="1000">
+              <a:rPr sz="1000" spc="-10" dirty="0">
+                <a:latin typeface="Arial MT"/>
+                <a:cs typeface="Arial MT"/>
+              </a:rPr>
+              <a:t> </a:t>
+            </a:r>
+            <a:r>
+              <a:rPr sz="1000" dirty="0">
                 <a:latin typeface="Arial MT"/>
                 <a:cs typeface="Arial MT"/>
               </a:rPr>
               <a:t>more</a:t>
             </a:r>
             <a:r>
-              <a:rPr dirty="0" sz="1000" spc="-5">
-                <a:latin typeface="Arial MT"/>
-                <a:cs typeface="Arial MT"/>
-              </a:rPr>
-              <a:t> </a:t>
-            </a:r>
-            <a:r>
-              <a:rPr dirty="0" sz="1000">
+              <a:rPr sz="1000" spc="-5" dirty="0">
+                <a:latin typeface="Arial MT"/>
+                <a:cs typeface="Arial MT"/>
+              </a:rPr>
+              <a:t> </a:t>
+            </a:r>
+            <a:r>
+              <a:rPr sz="1000" dirty="0">
                 <a:latin typeface="Arial MT"/>
                 <a:cs typeface="Arial MT"/>
               </a:rPr>
               <a:t>text.</a:t>
             </a:r>
             <a:r>
-              <a:rPr dirty="0" sz="1000" spc="-10">
-                <a:latin typeface="Arial MT"/>
-                <a:cs typeface="Arial MT"/>
-              </a:rPr>
-              <a:t> </a:t>
-            </a:r>
-            <a:r>
-              <a:rPr dirty="0" sz="1000">
+              <a:rPr sz="1000" spc="-10" dirty="0">
+                <a:latin typeface="Arial MT"/>
+                <a:cs typeface="Arial MT"/>
+              </a:rPr>
+              <a:t> </a:t>
+            </a:r>
+            <a:r>
+              <a:rPr sz="1000" dirty="0">
                 <a:latin typeface="Arial MT"/>
                 <a:cs typeface="Arial MT"/>
               </a:rPr>
               <a:t>And</a:t>
             </a:r>
             <a:r>
-              <a:rPr dirty="0" sz="1000" spc="-5">
-                <a:latin typeface="Arial MT"/>
-                <a:cs typeface="Arial MT"/>
-              </a:rPr>
-              <a:t> </a:t>
-            </a:r>
-            <a:r>
-              <a:rPr dirty="0" sz="1000">
+              <a:rPr sz="1000" spc="-5" dirty="0">
+                <a:latin typeface="Arial MT"/>
+                <a:cs typeface="Arial MT"/>
+              </a:rPr>
+              <a:t> </a:t>
+            </a:r>
+            <a:r>
+              <a:rPr sz="1000" dirty="0">
                 <a:latin typeface="Arial MT"/>
                 <a:cs typeface="Arial MT"/>
               </a:rPr>
               <a:t>more</a:t>
             </a:r>
             <a:r>
-              <a:rPr dirty="0" sz="1000" spc="-10">
-                <a:latin typeface="Arial MT"/>
-                <a:cs typeface="Arial MT"/>
-              </a:rPr>
-              <a:t> </a:t>
-            </a:r>
-            <a:r>
-              <a:rPr dirty="0" sz="1000">
+              <a:rPr sz="1000" spc="-10" dirty="0">
+                <a:latin typeface="Arial MT"/>
+                <a:cs typeface="Arial MT"/>
+              </a:rPr>
+              <a:t> </a:t>
+            </a:r>
+            <a:r>
+              <a:rPr sz="1000" dirty="0">
                 <a:latin typeface="Arial MT"/>
                 <a:cs typeface="Arial MT"/>
               </a:rPr>
               <a:t>text.</a:t>
             </a:r>
             <a:r>
-              <a:rPr dirty="0" sz="1000" spc="-5">
-                <a:latin typeface="Arial MT"/>
-                <a:cs typeface="Arial MT"/>
-              </a:rPr>
-              <a:t> </a:t>
-            </a:r>
-            <a:r>
-              <a:rPr dirty="0" sz="1000">
+              <a:rPr sz="1000" spc="-5" dirty="0">
+                <a:latin typeface="Arial MT"/>
+                <a:cs typeface="Arial MT"/>
+              </a:rPr>
+              <a:t> </a:t>
+            </a:r>
+            <a:r>
+              <a:rPr sz="1000" dirty="0">
                 <a:latin typeface="Arial MT"/>
                 <a:cs typeface="Arial MT"/>
               </a:rPr>
               <a:t>And</a:t>
             </a:r>
             <a:r>
-              <a:rPr dirty="0" sz="1000" spc="-10">
-                <a:latin typeface="Arial MT"/>
-                <a:cs typeface="Arial MT"/>
-              </a:rPr>
-              <a:t> </a:t>
-            </a:r>
-            <a:r>
-              <a:rPr dirty="0" sz="1000">
+              <a:rPr sz="1000" spc="-10" dirty="0">
+                <a:latin typeface="Arial MT"/>
+                <a:cs typeface="Arial MT"/>
+              </a:rPr>
+              <a:t> </a:t>
+            </a:r>
+            <a:r>
+              <a:rPr sz="1000" dirty="0">
                 <a:latin typeface="Arial MT"/>
                 <a:cs typeface="Arial MT"/>
               </a:rPr>
               <a:t>more</a:t>
             </a:r>
             <a:r>
-              <a:rPr dirty="0" sz="1000" spc="-5">
-                <a:latin typeface="Arial MT"/>
-                <a:cs typeface="Arial MT"/>
-              </a:rPr>
-              <a:t> </a:t>
-            </a:r>
-            <a:r>
-              <a:rPr dirty="0" sz="1000">
+              <a:rPr sz="1000" spc="-5" dirty="0">
+                <a:latin typeface="Arial MT"/>
+                <a:cs typeface="Arial MT"/>
+              </a:rPr>
+              <a:t> </a:t>
+            </a:r>
+            <a:r>
+              <a:rPr sz="1000" dirty="0">
                 <a:latin typeface="Arial MT"/>
                 <a:cs typeface="Arial MT"/>
               </a:rPr>
               <a:t>text.</a:t>
             </a:r>
             <a:r>
-              <a:rPr dirty="0" sz="1000" spc="-10">
-                <a:latin typeface="Arial MT"/>
-                <a:cs typeface="Arial MT"/>
-              </a:rPr>
-              <a:t> </a:t>
-            </a:r>
-            <a:r>
-              <a:rPr dirty="0" sz="1000">
+              <a:rPr sz="1000" spc="-10" dirty="0">
+                <a:latin typeface="Arial MT"/>
+                <a:cs typeface="Arial MT"/>
+              </a:rPr>
+              <a:t> </a:t>
+            </a:r>
+            <a:r>
+              <a:rPr sz="1000" dirty="0">
                 <a:latin typeface="Arial MT"/>
                 <a:cs typeface="Arial MT"/>
               </a:rPr>
               <a:t>And</a:t>
             </a:r>
             <a:r>
-              <a:rPr dirty="0" sz="1000" spc="-5">
-                <a:latin typeface="Arial MT"/>
-                <a:cs typeface="Arial MT"/>
-              </a:rPr>
-              <a:t> </a:t>
-            </a:r>
-            <a:r>
-              <a:rPr dirty="0" sz="1000">
+              <a:rPr sz="1000" spc="-5" dirty="0">
+                <a:latin typeface="Arial MT"/>
+                <a:cs typeface="Arial MT"/>
+              </a:rPr>
+              <a:t> </a:t>
+            </a:r>
+            <a:r>
+              <a:rPr sz="1000" dirty="0">
                 <a:latin typeface="Arial MT"/>
                 <a:cs typeface="Arial MT"/>
               </a:rPr>
               <a:t>more </a:t>
             </a:r>
             <a:r>
-              <a:rPr dirty="0" sz="1000" spc="-270">
-                <a:latin typeface="Arial MT"/>
-                <a:cs typeface="Arial MT"/>
-              </a:rPr>
-              <a:t> </a:t>
-            </a:r>
-            <a:r>
-              <a:rPr dirty="0" sz="1000">
+              <a:rPr sz="1000" spc="-270" dirty="0">
+                <a:latin typeface="Arial MT"/>
+                <a:cs typeface="Arial MT"/>
+              </a:rPr>
+              <a:t> </a:t>
+            </a:r>
+            <a:r>
+              <a:rPr sz="1000" dirty="0">
                 <a:latin typeface="Arial MT"/>
                 <a:cs typeface="Arial MT"/>
               </a:rPr>
               <a:t>text. Oh, how boring typing this stuff. But not as boring as watching </a:t>
             </a:r>
             <a:r>
-              <a:rPr dirty="0" sz="1000" spc="5">
-                <a:latin typeface="Arial MT"/>
-                <a:cs typeface="Arial MT"/>
-              </a:rPr>
-              <a:t> </a:t>
-            </a:r>
-            <a:r>
-              <a:rPr dirty="0" sz="1000">
+              <a:rPr sz="1000" spc="5" dirty="0">
+                <a:latin typeface="Arial MT"/>
+                <a:cs typeface="Arial MT"/>
+              </a:rPr>
+              <a:t> </a:t>
+            </a:r>
+            <a:r>
+              <a:rPr sz="1000" dirty="0">
                 <a:latin typeface="Arial MT"/>
                 <a:cs typeface="Arial MT"/>
               </a:rPr>
               <a:t>paint dry. And more text. And more text. And more text. And more text. </a:t>
             </a:r>
             <a:r>
-              <a:rPr dirty="0" sz="1000" spc="-265">
-                <a:latin typeface="Arial MT"/>
-                <a:cs typeface="Arial MT"/>
-              </a:rPr>
-              <a:t> </a:t>
-            </a:r>
-            <a:r>
-              <a:rPr dirty="0" sz="1000">
+              <a:rPr sz="1000" spc="-265" dirty="0">
+                <a:latin typeface="Arial MT"/>
+                <a:cs typeface="Arial MT"/>
+              </a:rPr>
+              <a:t> </a:t>
+            </a:r>
+            <a:r>
+              <a:rPr sz="1000" dirty="0">
                 <a:latin typeface="Arial MT"/>
                 <a:cs typeface="Arial MT"/>
               </a:rPr>
               <a:t>Boring.</a:t>
             </a:r>
             <a:r>
-              <a:rPr dirty="0" sz="1000" spc="270">
-                <a:latin typeface="Arial MT"/>
-                <a:cs typeface="Arial MT"/>
-              </a:rPr>
-              <a:t> </a:t>
-            </a:r>
-            <a:r>
-              <a:rPr dirty="0" sz="1000">
+              <a:rPr sz="1000" spc="270" dirty="0">
+                <a:latin typeface="Arial MT"/>
+                <a:cs typeface="Arial MT"/>
+              </a:rPr>
+              <a:t> </a:t>
+            </a:r>
+            <a:r>
+              <a:rPr sz="1000" dirty="0">
                 <a:latin typeface="Arial MT"/>
                 <a:cs typeface="Arial MT"/>
               </a:rPr>
               <a:t>More,</a:t>
             </a:r>
             <a:r>
-              <a:rPr dirty="0" sz="1000" spc="-5">
-                <a:latin typeface="Arial MT"/>
-                <a:cs typeface="Arial MT"/>
-              </a:rPr>
-              <a:t> </a:t>
-            </a:r>
-            <a:r>
-              <a:rPr dirty="0" sz="1000">
+              <a:rPr sz="1000" spc="-5" dirty="0">
+                <a:latin typeface="Arial MT"/>
+                <a:cs typeface="Arial MT"/>
+              </a:rPr>
+              <a:t> </a:t>
+            </a:r>
+            <a:r>
+              <a:rPr sz="1000" dirty="0">
                 <a:latin typeface="Arial MT"/>
                 <a:cs typeface="Arial MT"/>
               </a:rPr>
               <a:t>a little</a:t>
             </a:r>
             <a:r>
-              <a:rPr dirty="0" sz="1000" spc="-5">
-                <a:latin typeface="Arial MT"/>
-                <a:cs typeface="Arial MT"/>
-              </a:rPr>
-              <a:t> </a:t>
-            </a:r>
-            <a:r>
-              <a:rPr dirty="0" sz="1000">
+              <a:rPr sz="1000" spc="-5" dirty="0">
+                <a:latin typeface="Arial MT"/>
+                <a:cs typeface="Arial MT"/>
+              </a:rPr>
+              <a:t> </a:t>
+            </a:r>
+            <a:r>
+              <a:rPr sz="1000" dirty="0">
                 <a:latin typeface="Arial MT"/>
                 <a:cs typeface="Arial MT"/>
               </a:rPr>
               <a:t>more</a:t>
             </a:r>
             <a:r>
-              <a:rPr dirty="0" sz="1000" spc="-5">
-                <a:latin typeface="Arial MT"/>
-                <a:cs typeface="Arial MT"/>
-              </a:rPr>
-              <a:t> </a:t>
-            </a:r>
-            <a:r>
-              <a:rPr dirty="0" sz="1000">
+              <a:rPr sz="1000" spc="-5" dirty="0">
+                <a:latin typeface="Arial MT"/>
+                <a:cs typeface="Arial MT"/>
+              </a:rPr>
+              <a:t> </a:t>
+            </a:r>
+            <a:r>
+              <a:rPr sz="1000" dirty="0">
                 <a:latin typeface="Arial MT"/>
                 <a:cs typeface="Arial MT"/>
               </a:rPr>
               <a:t>text. The</a:t>
             </a:r>
             <a:r>
-              <a:rPr dirty="0" sz="1000" spc="-5">
-                <a:latin typeface="Arial MT"/>
-                <a:cs typeface="Arial MT"/>
-              </a:rPr>
-              <a:t> </a:t>
-            </a:r>
-            <a:r>
-              <a:rPr dirty="0" sz="1000">
+              <a:rPr sz="1000" spc="-5" dirty="0">
+                <a:latin typeface="Arial MT"/>
+                <a:cs typeface="Arial MT"/>
+              </a:rPr>
+              <a:t> </a:t>
+            </a:r>
+            <a:r>
+              <a:rPr sz="1000" dirty="0">
                 <a:latin typeface="Arial MT"/>
                 <a:cs typeface="Arial MT"/>
               </a:rPr>
               <a:t>end, and</a:t>
             </a:r>
             <a:r>
-              <a:rPr dirty="0" sz="1000" spc="-5">
-                <a:latin typeface="Arial MT"/>
-                <a:cs typeface="Arial MT"/>
-              </a:rPr>
-              <a:t> </a:t>
-            </a:r>
-            <a:r>
-              <a:rPr dirty="0" sz="1000">
+              <a:rPr sz="1000" spc="-5" dirty="0">
+                <a:latin typeface="Arial MT"/>
+                <a:cs typeface="Arial MT"/>
+              </a:rPr>
+              <a:t> </a:t>
+            </a:r>
+            <a:r>
+              <a:rPr sz="1000" dirty="0">
                 <a:latin typeface="Arial MT"/>
                 <a:cs typeface="Arial MT"/>
               </a:rPr>
               <a:t>just</a:t>
             </a:r>
             <a:r>
-              <a:rPr dirty="0" sz="1000" spc="-5">
-                <a:latin typeface="Arial MT"/>
-                <a:cs typeface="Arial MT"/>
-              </a:rPr>
-              <a:t> </a:t>
-            </a:r>
-            <a:r>
-              <a:rPr dirty="0" sz="1000">
+              <a:rPr sz="1000" spc="-5" dirty="0">
+                <a:latin typeface="Arial MT"/>
+                <a:cs typeface="Arial MT"/>
+              </a:rPr>
+              <a:t> </a:t>
+            </a:r>
+            <a:r>
+              <a:rPr sz="1000" dirty="0">
                 <a:latin typeface="Arial MT"/>
                 <a:cs typeface="Arial MT"/>
               </a:rPr>
